--- a/пз.pptx
+++ b/пз.pptx
@@ -4,10 +4,28 @@
   <p:sldMasterIdLst>
     <p:sldMasterId id="2147483648" r:id="rId1"/>
   </p:sldMasterIdLst>
+  <p:notesMasterIdLst>
+    <p:notesMasterId r:id="rId20"/>
+  </p:notesMasterIdLst>
   <p:sldIdLst>
     <p:sldId id="256" r:id="rId2"/>
-    <p:sldId id="257" r:id="rId3"/>
-    <p:sldId id="258" r:id="rId4"/>
+    <p:sldId id="259" r:id="rId3"/>
+    <p:sldId id="261" r:id="rId4"/>
+    <p:sldId id="257" r:id="rId5"/>
+    <p:sldId id="258" r:id="rId6"/>
+    <p:sldId id="262" r:id="rId7"/>
+    <p:sldId id="263" r:id="rId8"/>
+    <p:sldId id="264" r:id="rId9"/>
+    <p:sldId id="265" r:id="rId10"/>
+    <p:sldId id="266" r:id="rId11"/>
+    <p:sldId id="267" r:id="rId12"/>
+    <p:sldId id="271" r:id="rId13"/>
+    <p:sldId id="268" r:id="rId14"/>
+    <p:sldId id="269" r:id="rId15"/>
+    <p:sldId id="272" r:id="rId16"/>
+    <p:sldId id="270" r:id="rId17"/>
+    <p:sldId id="273" r:id="rId18"/>
+    <p:sldId id="274" r:id="rId19"/>
   </p:sldIdLst>
   <p:sldSz cx="9144000" cy="6858000" type="screen4x3"/>
   <p:notesSz cx="6858000" cy="9144000"/>
@@ -109,6 +127,356 @@
 </p:presentation>
 </file>
 
+<file path=ppt/notesMasters/notesMaster1.xml><?xml version="1.0" encoding="utf-8"?>
+<p:notesMaster xmlns:a="http://schemas.openxmlformats.org/drawingml/2006/main" xmlns:r="http://schemas.openxmlformats.org/officeDocument/2006/relationships" xmlns:p="http://schemas.openxmlformats.org/presentationml/2006/main">
+  <p:cSld>
+    <p:bg>
+      <p:bgRef idx="1001">
+        <a:schemeClr val="bg1"/>
+      </p:bgRef>
+    </p:bg>
+    <p:spTree>
+      <p:nvGrpSpPr>
+        <p:cNvPr id="1" name=""/>
+        <p:cNvGrpSpPr/>
+        <p:nvPr/>
+      </p:nvGrpSpPr>
+      <p:grpSpPr>
+        <a:xfrm>
+          <a:off x="0" y="0"/>
+          <a:ext cx="0" cy="0"/>
+          <a:chOff x="0" y="0"/>
+          <a:chExt cx="0" cy="0"/>
+        </a:xfrm>
+      </p:grpSpPr>
+      <p:sp>
+        <p:nvSpPr>
+          <p:cNvPr id="2" name="Верхний колонтитул 1"/>
+          <p:cNvSpPr>
+            <a:spLocks noGrp="1"/>
+          </p:cNvSpPr>
+          <p:nvPr>
+            <p:ph type="hdr" sz="quarter"/>
+          </p:nvPr>
+        </p:nvSpPr>
+        <p:spPr>
+          <a:xfrm>
+            <a:off x="0" y="0"/>
+            <a:ext cx="2971800" cy="457200"/>
+          </a:xfrm>
+          <a:prstGeom prst="rect">
+            <a:avLst/>
+          </a:prstGeom>
+        </p:spPr>
+        <p:txBody>
+          <a:bodyPr vert="horz" lIns="91440" tIns="45720" rIns="91440" bIns="45720" rtlCol="0"/>
+          <a:lstStyle>
+            <a:lvl1pPr algn="l">
+              <a:defRPr sz="1200"/>
+            </a:lvl1pPr>
+          </a:lstStyle>
+          <a:p>
+            <a:endParaRPr lang="ru-RU"/>
+          </a:p>
+        </p:txBody>
+      </p:sp>
+      <p:sp>
+        <p:nvSpPr>
+          <p:cNvPr id="3" name="Дата 2"/>
+          <p:cNvSpPr>
+            <a:spLocks noGrp="1"/>
+          </p:cNvSpPr>
+          <p:nvPr>
+            <p:ph type="dt" idx="1"/>
+          </p:nvPr>
+        </p:nvSpPr>
+        <p:spPr>
+          <a:xfrm>
+            <a:off x="3884613" y="0"/>
+            <a:ext cx="2971800" cy="457200"/>
+          </a:xfrm>
+          <a:prstGeom prst="rect">
+            <a:avLst/>
+          </a:prstGeom>
+        </p:spPr>
+        <p:txBody>
+          <a:bodyPr vert="horz" lIns="91440" tIns="45720" rIns="91440" bIns="45720" rtlCol="0"/>
+          <a:lstStyle>
+            <a:lvl1pPr algn="r">
+              <a:defRPr sz="1200"/>
+            </a:lvl1pPr>
+          </a:lstStyle>
+          <a:p>
+            <a:fld id="{2F0BE3CF-87DB-4F50-A939-9D4C11CD9323}" type="datetimeFigureOut">
+              <a:rPr lang="ru-RU" smtClean="0"/>
+              <a:t>24.12.2018</a:t>
+            </a:fld>
+            <a:endParaRPr lang="ru-RU"/>
+          </a:p>
+        </p:txBody>
+      </p:sp>
+      <p:sp>
+        <p:nvSpPr>
+          <p:cNvPr id="4" name="Образ слайда 3"/>
+          <p:cNvSpPr>
+            <a:spLocks noGrp="1" noRot="1" noChangeAspect="1"/>
+          </p:cNvSpPr>
+          <p:nvPr>
+            <p:ph type="sldImg" idx="2"/>
+          </p:nvPr>
+        </p:nvSpPr>
+        <p:spPr>
+          <a:xfrm>
+            <a:off x="1143000" y="685800"/>
+            <a:ext cx="4572000" cy="3429000"/>
+          </a:xfrm>
+          <a:prstGeom prst="rect">
+            <a:avLst/>
+          </a:prstGeom>
+          <a:noFill/>
+          <a:ln w="12700">
+            <a:solidFill>
+              <a:prstClr val="black"/>
+            </a:solidFill>
+          </a:ln>
+        </p:spPr>
+        <p:txBody>
+          <a:bodyPr vert="horz" lIns="91440" tIns="45720" rIns="91440" bIns="45720" rtlCol="0" anchor="ctr"/>
+          <a:lstStyle/>
+          <a:p>
+            <a:endParaRPr lang="ru-RU"/>
+          </a:p>
+        </p:txBody>
+      </p:sp>
+      <p:sp>
+        <p:nvSpPr>
+          <p:cNvPr id="5" name="Заметки 4"/>
+          <p:cNvSpPr>
+            <a:spLocks noGrp="1"/>
+          </p:cNvSpPr>
+          <p:nvPr>
+            <p:ph type="body" sz="quarter" idx="3"/>
+          </p:nvPr>
+        </p:nvSpPr>
+        <p:spPr>
+          <a:xfrm>
+            <a:off x="685800" y="4343400"/>
+            <a:ext cx="5486400" cy="4114800"/>
+          </a:xfrm>
+          <a:prstGeom prst="rect">
+            <a:avLst/>
+          </a:prstGeom>
+        </p:spPr>
+        <p:txBody>
+          <a:bodyPr vert="horz" lIns="91440" tIns="45720" rIns="91440" bIns="45720" rtlCol="0"/>
+          <a:lstStyle/>
+          <a:p>
+            <a:pPr lvl="0"/>
+            <a:r>
+              <a:rPr lang="ru-RU" smtClean="0"/>
+              <a:t>Образец текста</a:t>
+            </a:r>
+          </a:p>
+          <a:p>
+            <a:pPr lvl="1"/>
+            <a:r>
+              <a:rPr lang="ru-RU" smtClean="0"/>
+              <a:t>Второй уровень</a:t>
+            </a:r>
+          </a:p>
+          <a:p>
+            <a:pPr lvl="2"/>
+            <a:r>
+              <a:rPr lang="ru-RU" smtClean="0"/>
+              <a:t>Третий уровень</a:t>
+            </a:r>
+          </a:p>
+          <a:p>
+            <a:pPr lvl="3"/>
+            <a:r>
+              <a:rPr lang="ru-RU" smtClean="0"/>
+              <a:t>Четвертый уровень</a:t>
+            </a:r>
+          </a:p>
+          <a:p>
+            <a:pPr lvl="4"/>
+            <a:r>
+              <a:rPr lang="ru-RU" smtClean="0"/>
+              <a:t>Пятый уровень</a:t>
+            </a:r>
+            <a:endParaRPr lang="ru-RU"/>
+          </a:p>
+        </p:txBody>
+      </p:sp>
+      <p:sp>
+        <p:nvSpPr>
+          <p:cNvPr id="6" name="Нижний колонтитул 5"/>
+          <p:cNvSpPr>
+            <a:spLocks noGrp="1"/>
+          </p:cNvSpPr>
+          <p:nvPr>
+            <p:ph type="ftr" sz="quarter" idx="4"/>
+          </p:nvPr>
+        </p:nvSpPr>
+        <p:spPr>
+          <a:xfrm>
+            <a:off x="0" y="8685213"/>
+            <a:ext cx="2971800" cy="457200"/>
+          </a:xfrm>
+          <a:prstGeom prst="rect">
+            <a:avLst/>
+          </a:prstGeom>
+        </p:spPr>
+        <p:txBody>
+          <a:bodyPr vert="horz" lIns="91440" tIns="45720" rIns="91440" bIns="45720" rtlCol="0" anchor="b"/>
+          <a:lstStyle>
+            <a:lvl1pPr algn="l">
+              <a:defRPr sz="1200"/>
+            </a:lvl1pPr>
+          </a:lstStyle>
+          <a:p>
+            <a:endParaRPr lang="ru-RU"/>
+          </a:p>
+        </p:txBody>
+      </p:sp>
+      <p:sp>
+        <p:nvSpPr>
+          <p:cNvPr id="7" name="Номер слайда 6"/>
+          <p:cNvSpPr>
+            <a:spLocks noGrp="1"/>
+          </p:cNvSpPr>
+          <p:nvPr>
+            <p:ph type="sldNum" sz="quarter" idx="5"/>
+          </p:nvPr>
+        </p:nvSpPr>
+        <p:spPr>
+          <a:xfrm>
+            <a:off x="3884613" y="8685213"/>
+            <a:ext cx="2971800" cy="457200"/>
+          </a:xfrm>
+          <a:prstGeom prst="rect">
+            <a:avLst/>
+          </a:prstGeom>
+        </p:spPr>
+        <p:txBody>
+          <a:bodyPr vert="horz" lIns="91440" tIns="45720" rIns="91440" bIns="45720" rtlCol="0" anchor="b"/>
+          <a:lstStyle>
+            <a:lvl1pPr algn="r">
+              <a:defRPr sz="1200"/>
+            </a:lvl1pPr>
+          </a:lstStyle>
+          <a:p>
+            <a:fld id="{F6124B44-3FE5-4187-ADB6-D59043B44FB5}" type="slidenum">
+              <a:rPr lang="ru-RU" smtClean="0"/>
+              <a:t>‹#›</a:t>
+            </a:fld>
+            <a:endParaRPr lang="ru-RU"/>
+          </a:p>
+        </p:txBody>
+      </p:sp>
+    </p:spTree>
+    <p:extLst>
+      <p:ext uri="{BB962C8B-B14F-4D97-AF65-F5344CB8AC3E}">
+        <p14:creationId xmlns:p14="http://schemas.microsoft.com/office/powerpoint/2010/main" val="1964361137"/>
+      </p:ext>
+    </p:extLst>
+  </p:cSld>
+  <p:clrMap bg1="lt1" tx1="dk1" bg2="lt2" tx2="dk2" accent1="accent1" accent2="accent2" accent3="accent3" accent4="accent4" accent5="accent5" accent6="accent6" hlink="hlink" folHlink="folHlink"/>
+  <p:notesStyle>
+    <a:lvl1pPr marL="0" algn="l" defTabSz="914400" rtl="0" eaLnBrk="1" latinLnBrk="0" hangingPunct="1">
+      <a:defRPr sz="1200" kern="1200">
+        <a:solidFill>
+          <a:schemeClr val="tx1"/>
+        </a:solidFill>
+        <a:latin typeface="+mn-lt"/>
+        <a:ea typeface="+mn-ea"/>
+        <a:cs typeface="+mn-cs"/>
+      </a:defRPr>
+    </a:lvl1pPr>
+    <a:lvl2pPr marL="457200" algn="l" defTabSz="914400" rtl="0" eaLnBrk="1" latinLnBrk="0" hangingPunct="1">
+      <a:defRPr sz="1200" kern="1200">
+        <a:solidFill>
+          <a:schemeClr val="tx1"/>
+        </a:solidFill>
+        <a:latin typeface="+mn-lt"/>
+        <a:ea typeface="+mn-ea"/>
+        <a:cs typeface="+mn-cs"/>
+      </a:defRPr>
+    </a:lvl2pPr>
+    <a:lvl3pPr marL="914400" algn="l" defTabSz="914400" rtl="0" eaLnBrk="1" latinLnBrk="0" hangingPunct="1">
+      <a:defRPr sz="1200" kern="1200">
+        <a:solidFill>
+          <a:schemeClr val="tx1"/>
+        </a:solidFill>
+        <a:latin typeface="+mn-lt"/>
+        <a:ea typeface="+mn-ea"/>
+        <a:cs typeface="+mn-cs"/>
+      </a:defRPr>
+    </a:lvl3pPr>
+    <a:lvl4pPr marL="1371600" algn="l" defTabSz="914400" rtl="0" eaLnBrk="1" latinLnBrk="0" hangingPunct="1">
+      <a:defRPr sz="1200" kern="1200">
+        <a:solidFill>
+          <a:schemeClr val="tx1"/>
+        </a:solidFill>
+        <a:latin typeface="+mn-lt"/>
+        <a:ea typeface="+mn-ea"/>
+        <a:cs typeface="+mn-cs"/>
+      </a:defRPr>
+    </a:lvl4pPr>
+    <a:lvl5pPr marL="1828800" algn="l" defTabSz="914400" rtl="0" eaLnBrk="1" latinLnBrk="0" hangingPunct="1">
+      <a:defRPr sz="1200" kern="1200">
+        <a:solidFill>
+          <a:schemeClr val="tx1"/>
+        </a:solidFill>
+        <a:latin typeface="+mn-lt"/>
+        <a:ea typeface="+mn-ea"/>
+        <a:cs typeface="+mn-cs"/>
+      </a:defRPr>
+    </a:lvl5pPr>
+    <a:lvl6pPr marL="2286000" algn="l" defTabSz="914400" rtl="0" eaLnBrk="1" latinLnBrk="0" hangingPunct="1">
+      <a:defRPr sz="1200" kern="1200">
+        <a:solidFill>
+          <a:schemeClr val="tx1"/>
+        </a:solidFill>
+        <a:latin typeface="+mn-lt"/>
+        <a:ea typeface="+mn-ea"/>
+        <a:cs typeface="+mn-cs"/>
+      </a:defRPr>
+    </a:lvl6pPr>
+    <a:lvl7pPr marL="2743200" algn="l" defTabSz="914400" rtl="0" eaLnBrk="1" latinLnBrk="0" hangingPunct="1">
+      <a:defRPr sz="1200" kern="1200">
+        <a:solidFill>
+          <a:schemeClr val="tx1"/>
+        </a:solidFill>
+        <a:latin typeface="+mn-lt"/>
+        <a:ea typeface="+mn-ea"/>
+        <a:cs typeface="+mn-cs"/>
+      </a:defRPr>
+    </a:lvl7pPr>
+    <a:lvl8pPr marL="3200400" algn="l" defTabSz="914400" rtl="0" eaLnBrk="1" latinLnBrk="0" hangingPunct="1">
+      <a:defRPr sz="1200" kern="1200">
+        <a:solidFill>
+          <a:schemeClr val="tx1"/>
+        </a:solidFill>
+        <a:latin typeface="+mn-lt"/>
+        <a:ea typeface="+mn-ea"/>
+        <a:cs typeface="+mn-cs"/>
+      </a:defRPr>
+    </a:lvl8pPr>
+    <a:lvl9pPr marL="3657600" algn="l" defTabSz="914400" rtl="0" eaLnBrk="1" latinLnBrk="0" hangingPunct="1">
+      <a:defRPr sz="1200" kern="1200">
+        <a:solidFill>
+          <a:schemeClr val="tx1"/>
+        </a:solidFill>
+        <a:latin typeface="+mn-lt"/>
+        <a:ea typeface="+mn-ea"/>
+        <a:cs typeface="+mn-cs"/>
+      </a:defRPr>
+    </a:lvl9pPr>
+  </p:notesStyle>
+</p:notesMaster>
+</file>
+
 <file path=ppt/slideLayouts/slideLayout1.xml><?xml version="1.0" encoding="utf-8"?>
 <p:sldLayout xmlns:a="http://schemas.openxmlformats.org/drawingml/2006/main" xmlns:r="http://schemas.openxmlformats.org/officeDocument/2006/relationships" xmlns:p="http://schemas.openxmlformats.org/presentationml/2006/main" type="title" preserve="1">
   <p:cSld name="Титульный слайд">
@@ -288,9 +656,9 @@
           <a:bodyPr/>
           <a:lstStyle/>
           <a:p>
-            <a:fld id="{B4C71EC6-210F-42DE-9C53-41977AD35B3D}" type="datetimeFigureOut">
-              <a:rPr lang="ru-RU" smtClean="0"/>
-              <a:t>20.12.2018</a:t>
+            <a:fld id="{D99A2E46-4008-4D2E-83FA-D030422BD5BB}" type="datetime1">
+              <a:rPr lang="ru-RU" smtClean="0"/>
+              <a:t>24.12.2018</a:t>
             </a:fld>
             <a:endParaRPr lang="ru-RU"/>
           </a:p>
@@ -453,9 +821,9 @@
           <a:bodyPr/>
           <a:lstStyle/>
           <a:p>
-            <a:fld id="{B4C71EC6-210F-42DE-9C53-41977AD35B3D}" type="datetimeFigureOut">
-              <a:rPr lang="ru-RU" smtClean="0"/>
-              <a:t>20.12.2018</a:t>
+            <a:fld id="{AE47AC83-2DE7-4F43-9947-92CBF5C90627}" type="datetime1">
+              <a:rPr lang="ru-RU" smtClean="0"/>
+              <a:t>24.12.2018</a:t>
             </a:fld>
             <a:endParaRPr lang="ru-RU"/>
           </a:p>
@@ -628,9 +996,9 @@
           <a:bodyPr/>
           <a:lstStyle/>
           <a:p>
-            <a:fld id="{B4C71EC6-210F-42DE-9C53-41977AD35B3D}" type="datetimeFigureOut">
-              <a:rPr lang="ru-RU" smtClean="0"/>
-              <a:t>20.12.2018</a:t>
+            <a:fld id="{A5A5BC6D-79F8-46E5-ADFC-0D6917BD5741}" type="datetime1">
+              <a:rPr lang="ru-RU" smtClean="0"/>
+              <a:t>24.12.2018</a:t>
             </a:fld>
             <a:endParaRPr lang="ru-RU"/>
           </a:p>
@@ -793,9 +1161,9 @@
           <a:bodyPr/>
           <a:lstStyle/>
           <a:p>
-            <a:fld id="{B4C71EC6-210F-42DE-9C53-41977AD35B3D}" type="datetimeFigureOut">
-              <a:rPr lang="ru-RU" smtClean="0"/>
-              <a:t>20.12.2018</a:t>
+            <a:fld id="{92C08CD8-E486-44B1-971B-0152E442CB50}" type="datetime1">
+              <a:rPr lang="ru-RU" smtClean="0"/>
+              <a:t>24.12.2018</a:t>
             </a:fld>
             <a:endParaRPr lang="ru-RU"/>
           </a:p>
@@ -1034,9 +1402,9 @@
           <a:bodyPr/>
           <a:lstStyle/>
           <a:p>
-            <a:fld id="{B4C71EC6-210F-42DE-9C53-41977AD35B3D}" type="datetimeFigureOut">
-              <a:rPr lang="ru-RU" smtClean="0"/>
-              <a:t>20.12.2018</a:t>
+            <a:fld id="{2923ED33-119C-4DE0-BD0C-59B2FB8B99D7}" type="datetime1">
+              <a:rPr lang="ru-RU" smtClean="0"/>
+              <a:t>24.12.2018</a:t>
             </a:fld>
             <a:endParaRPr lang="ru-RU"/>
           </a:p>
@@ -1317,9 +1685,9 @@
           <a:bodyPr/>
           <a:lstStyle/>
           <a:p>
-            <a:fld id="{B4C71EC6-210F-42DE-9C53-41977AD35B3D}" type="datetimeFigureOut">
-              <a:rPr lang="ru-RU" smtClean="0"/>
-              <a:t>20.12.2018</a:t>
+            <a:fld id="{A4CDE18E-10F5-43BE-9B89-42D8ED538C37}" type="datetime1">
+              <a:rPr lang="ru-RU" smtClean="0"/>
+              <a:t>24.12.2018</a:t>
             </a:fld>
             <a:endParaRPr lang="ru-RU"/>
           </a:p>
@@ -1734,9 +2102,9 @@
           <a:bodyPr/>
           <a:lstStyle/>
           <a:p>
-            <a:fld id="{B4C71EC6-210F-42DE-9C53-41977AD35B3D}" type="datetimeFigureOut">
-              <a:rPr lang="ru-RU" smtClean="0"/>
-              <a:t>20.12.2018</a:t>
+            <a:fld id="{D0CBC033-D60F-4624-B795-C6FA13B8835C}" type="datetime1">
+              <a:rPr lang="ru-RU" smtClean="0"/>
+              <a:t>24.12.2018</a:t>
             </a:fld>
             <a:endParaRPr lang="ru-RU"/>
           </a:p>
@@ -1847,9 +2215,9 @@
           <a:bodyPr/>
           <a:lstStyle/>
           <a:p>
-            <a:fld id="{B4C71EC6-210F-42DE-9C53-41977AD35B3D}" type="datetimeFigureOut">
-              <a:rPr lang="ru-RU" smtClean="0"/>
-              <a:t>20.12.2018</a:t>
+            <a:fld id="{8B8B226E-ADCF-4D15-9A9B-CB96F86BCD16}" type="datetime1">
+              <a:rPr lang="ru-RU" smtClean="0"/>
+              <a:t>24.12.2018</a:t>
             </a:fld>
             <a:endParaRPr lang="ru-RU"/>
           </a:p>
@@ -1937,9 +2305,9 @@
           <a:bodyPr/>
           <a:lstStyle/>
           <a:p>
-            <a:fld id="{B4C71EC6-210F-42DE-9C53-41977AD35B3D}" type="datetimeFigureOut">
-              <a:rPr lang="ru-RU" smtClean="0"/>
-              <a:t>20.12.2018</a:t>
+            <a:fld id="{2426D949-5F86-4224-BEB1-0760EDCF3160}" type="datetime1">
+              <a:rPr lang="ru-RU" smtClean="0"/>
+              <a:t>24.12.2018</a:t>
             </a:fld>
             <a:endParaRPr lang="ru-RU"/>
           </a:p>
@@ -2209,9 +2577,9 @@
           <a:bodyPr/>
           <a:lstStyle/>
           <a:p>
-            <a:fld id="{B4C71EC6-210F-42DE-9C53-41977AD35B3D}" type="datetimeFigureOut">
-              <a:rPr lang="ru-RU" smtClean="0"/>
-              <a:t>20.12.2018</a:t>
+            <a:fld id="{30820653-F558-4D9D-9BEC-5A503B0E2068}" type="datetime1">
+              <a:rPr lang="ru-RU" smtClean="0"/>
+              <a:t>24.12.2018</a:t>
             </a:fld>
             <a:endParaRPr lang="ru-RU"/>
           </a:p>
@@ -2457,9 +2825,9 @@
           <a:bodyPr/>
           <a:lstStyle/>
           <a:p>
-            <a:fld id="{B4C71EC6-210F-42DE-9C53-41977AD35B3D}" type="datetimeFigureOut">
-              <a:rPr lang="ru-RU" smtClean="0"/>
-              <a:t>20.12.2018</a:t>
+            <a:fld id="{FDACA608-25F7-4AD7-823F-DC94FF14D52F}" type="datetime1">
+              <a:rPr lang="ru-RU" smtClean="0"/>
+              <a:t>24.12.2018</a:t>
             </a:fld>
             <a:endParaRPr lang="ru-RU"/>
           </a:p>
@@ -2665,9 +3033,9 @@
             </a:lvl1pPr>
           </a:lstStyle>
           <a:p>
-            <a:fld id="{B4C71EC6-210F-42DE-9C53-41977AD35B3D}" type="datetimeFigureOut">
-              <a:rPr lang="ru-RU" smtClean="0"/>
-              <a:t>20.12.2018</a:t>
+            <a:fld id="{C8282415-5403-49B6-A781-4108CDA74EF2}" type="datetime1">
+              <a:rPr lang="ru-RU" smtClean="0"/>
+              <a:t>24.12.2018</a:t>
             </a:fld>
             <a:endParaRPr lang="ru-RU"/>
           </a:p>
@@ -2767,6 +3135,7 @@
     <p:sldLayoutId id="2147483658" r:id="rId10"/>
     <p:sldLayoutId id="2147483659" r:id="rId11"/>
   </p:sldLayoutIdLst>
+  <p:hf hdr="0" ftr="0" dt="0"/>
   <p:txStyles>
     <p:titleStyle>
       <a:lvl1pPr algn="ctr" defTabSz="914400" rtl="0" eaLnBrk="1" latinLnBrk="0" hangingPunct="1">
@@ -3047,12 +3416,82 @@
             <p:ph type="ctrTitle"/>
           </p:nvPr>
         </p:nvSpPr>
-        <p:spPr/>
-        <p:txBody>
-          <a:bodyPr/>
-          <a:lstStyle/>
-          <a:p>
-            <a:endParaRPr lang="ru-RU"/>
+        <p:spPr>
+          <a:xfrm>
+            <a:off x="705160" y="2348880"/>
+            <a:ext cx="7772400" cy="1470025"/>
+          </a:xfrm>
+        </p:spPr>
+        <p:txBody>
+          <a:bodyPr>
+            <a:normAutofit fontScale="90000"/>
+          </a:bodyPr>
+          <a:lstStyle/>
+          <a:p>
+            <a:r>
+              <a:rPr lang="ru-RU" b="1" dirty="0">
+                <a:latin typeface="Times New Roman" panose="02020603050405020304" pitchFamily="18" charset="0"/>
+                <a:cs typeface="Times New Roman" panose="02020603050405020304" pitchFamily="18" charset="0"/>
+              </a:rPr>
+              <a:t>Курсовой проект</a:t>
+            </a:r>
+            <a:br>
+              <a:rPr lang="ru-RU" b="1" dirty="0">
+                <a:latin typeface="Times New Roman" panose="02020603050405020304" pitchFamily="18" charset="0"/>
+                <a:cs typeface="Times New Roman" panose="02020603050405020304" pitchFamily="18" charset="0"/>
+              </a:rPr>
+            </a:br>
+            <a:r>
+              <a:rPr lang="ru-RU" sz="2000" b="1" i="1" dirty="0">
+                <a:latin typeface="Times New Roman" panose="02020603050405020304" pitchFamily="18" charset="0"/>
+                <a:ea typeface="Times New Roman" panose="02020603050405020304" pitchFamily="18" charset="0"/>
+                <a:cs typeface="Times New Roman" panose="02020603050405020304" pitchFamily="18" charset="0"/>
+              </a:rPr>
+              <a:t>На тему </a:t>
+            </a:r>
+            <a:r>
+              <a:rPr lang="en-US" sz="2000" b="1" i="1" dirty="0">
+                <a:latin typeface="Times New Roman" panose="02020603050405020304" pitchFamily="18" charset="0"/>
+                <a:ea typeface="Times New Roman" panose="02020603050405020304" pitchFamily="18" charset="0"/>
+                <a:cs typeface="Times New Roman" panose="02020603050405020304" pitchFamily="18" charset="0"/>
+              </a:rPr>
+              <a:t>:</a:t>
+            </a:r>
+            <a:r>
+              <a:rPr lang="ru-RU" b="1" i="1" dirty="0">
+                <a:latin typeface="Times New Roman" panose="02020603050405020304" pitchFamily="18" charset="0"/>
+                <a:ea typeface="Times New Roman" panose="02020603050405020304" pitchFamily="18" charset="0"/>
+                <a:cs typeface="Times New Roman" panose="02020603050405020304" pitchFamily="18" charset="0"/>
+              </a:rPr>
+              <a:t/>
+            </a:r>
+            <a:br>
+              <a:rPr lang="ru-RU" b="1" i="1" dirty="0">
+                <a:latin typeface="Times New Roman" panose="02020603050405020304" pitchFamily="18" charset="0"/>
+                <a:ea typeface="Times New Roman" panose="02020603050405020304" pitchFamily="18" charset="0"/>
+                <a:cs typeface="Times New Roman" panose="02020603050405020304" pitchFamily="18" charset="0"/>
+              </a:rPr>
+            </a:br>
+            <a:r>
+              <a:rPr lang="ru-RU" i="1" dirty="0">
+                <a:latin typeface="Times New Roman" panose="02020603050405020304" pitchFamily="18" charset="0"/>
+                <a:ea typeface="Times New Roman" panose="02020603050405020304" pitchFamily="18" charset="0"/>
+                <a:cs typeface="Times New Roman" panose="02020603050405020304" pitchFamily="18" charset="0"/>
+              </a:rPr>
+              <a:t/>
+            </a:r>
+            <a:br>
+              <a:rPr lang="ru-RU" i="1" dirty="0">
+                <a:latin typeface="Times New Roman" panose="02020603050405020304" pitchFamily="18" charset="0"/>
+                <a:ea typeface="Times New Roman" panose="02020603050405020304" pitchFamily="18" charset="0"/>
+                <a:cs typeface="Times New Roman" panose="02020603050405020304" pitchFamily="18" charset="0"/>
+              </a:rPr>
+            </a:br>
+            <a:r>
+              <a:rPr lang="ru-RU" sz="2700" i="1" dirty="0"/>
+              <a:t>«Мобильное приложение для оценки знаний техники электробезопасности»</a:t>
+            </a:r>
+            <a:endParaRPr lang="ru-RU" sz="2700" dirty="0"/>
           </a:p>
         </p:txBody>
       </p:sp>
@@ -3066,12 +3505,344 @@
             <p:ph type="subTitle" idx="1"/>
           </p:nvPr>
         </p:nvSpPr>
-        <p:spPr/>
-        <p:txBody>
-          <a:bodyPr/>
-          <a:lstStyle/>
-          <a:p>
-            <a:endParaRPr lang="ru-RU"/>
+        <p:spPr>
+          <a:xfrm>
+            <a:off x="2089320" y="4509120"/>
+            <a:ext cx="6400800" cy="1752600"/>
+          </a:xfrm>
+        </p:spPr>
+        <p:txBody>
+          <a:bodyPr>
+            <a:normAutofit/>
+          </a:bodyPr>
+          <a:lstStyle/>
+          <a:p>
+            <a:pPr marL="180340" marR="180340" algn="r">
+              <a:spcAft>
+                <a:spcPts val="0"/>
+              </a:spcAft>
+            </a:pPr>
+            <a:r>
+              <a:rPr lang="ru-RU" sz="1600" i="1" dirty="0">
+                <a:solidFill>
+                  <a:schemeClr val="tx1"/>
+                </a:solidFill>
+                <a:latin typeface="Times New Roman" panose="02020603050405020304" pitchFamily="18" charset="0"/>
+                <a:ea typeface="Times New Roman" panose="02020603050405020304" pitchFamily="18" charset="0"/>
+                <a:cs typeface="Times New Roman" panose="02020603050405020304" pitchFamily="18" charset="0"/>
+              </a:rPr>
+              <a:t>Выполнил:	студент гр. ПРИ-115</a:t>
+            </a:r>
+            <a:endParaRPr lang="ru-RU" sz="1600" dirty="0">
+              <a:solidFill>
+                <a:schemeClr val="tx1"/>
+              </a:solidFill>
+              <a:latin typeface="Times New Roman" panose="02020603050405020304" pitchFamily="18" charset="0"/>
+              <a:ea typeface="Times New Roman" panose="02020603050405020304" pitchFamily="18" charset="0"/>
+              <a:cs typeface="Times New Roman" panose="02020603050405020304" pitchFamily="18" charset="0"/>
+            </a:endParaRPr>
+          </a:p>
+          <a:p>
+            <a:pPr marL="180340" marR="180340" algn="r">
+              <a:spcAft>
+                <a:spcPts val="0"/>
+              </a:spcAft>
+            </a:pPr>
+            <a:r>
+              <a:rPr lang="ru-RU" sz="1600" i="1" dirty="0">
+                <a:solidFill>
+                  <a:schemeClr val="tx1"/>
+                </a:solidFill>
+                <a:latin typeface="Times New Roman" panose="02020603050405020304" pitchFamily="18" charset="0"/>
+                <a:ea typeface="Times New Roman" panose="02020603050405020304" pitchFamily="18" charset="0"/>
+                <a:cs typeface="Times New Roman" panose="02020603050405020304" pitchFamily="18" charset="0"/>
+              </a:rPr>
+              <a:t>		</a:t>
+            </a:r>
+            <a:r>
+              <a:rPr lang="ru-RU" sz="1600" i="1" dirty="0" smtClean="0">
+                <a:solidFill>
+                  <a:schemeClr val="tx1"/>
+                </a:solidFill>
+                <a:latin typeface="Times New Roman" panose="02020603050405020304" pitchFamily="18" charset="0"/>
+                <a:ea typeface="Times New Roman" panose="02020603050405020304" pitchFamily="18" charset="0"/>
+                <a:cs typeface="Times New Roman" panose="02020603050405020304" pitchFamily="18" charset="0"/>
+              </a:rPr>
+              <a:t>Родионова А.В., </a:t>
+            </a:r>
+            <a:r>
+              <a:rPr lang="ru-RU" sz="1600" i="1" dirty="0" err="1" smtClean="0">
+                <a:solidFill>
+                  <a:schemeClr val="tx1"/>
+                </a:solidFill>
+                <a:latin typeface="Times New Roman" panose="02020603050405020304" pitchFamily="18" charset="0"/>
+                <a:ea typeface="Times New Roman" panose="02020603050405020304" pitchFamily="18" charset="0"/>
+                <a:cs typeface="Times New Roman" panose="02020603050405020304" pitchFamily="18" charset="0"/>
+              </a:rPr>
+              <a:t>Ханова</a:t>
+            </a:r>
+            <a:r>
+              <a:rPr lang="ru-RU" sz="1600" i="1" dirty="0" smtClean="0">
+                <a:solidFill>
+                  <a:schemeClr val="tx1"/>
+                </a:solidFill>
+                <a:latin typeface="Times New Roman" panose="02020603050405020304" pitchFamily="18" charset="0"/>
+                <a:ea typeface="Times New Roman" panose="02020603050405020304" pitchFamily="18" charset="0"/>
+                <a:cs typeface="Times New Roman" panose="02020603050405020304" pitchFamily="18" charset="0"/>
+              </a:rPr>
+              <a:t> </a:t>
+            </a:r>
+            <a:r>
+              <a:rPr lang="ru-RU" sz="1600" i="1" dirty="0">
+                <a:solidFill>
+                  <a:schemeClr val="tx1"/>
+                </a:solidFill>
+                <a:latin typeface="Times New Roman" panose="02020603050405020304" pitchFamily="18" charset="0"/>
+                <a:ea typeface="Times New Roman" panose="02020603050405020304" pitchFamily="18" charset="0"/>
+                <a:cs typeface="Times New Roman" panose="02020603050405020304" pitchFamily="18" charset="0"/>
+              </a:rPr>
+              <a:t>А.А.</a:t>
+            </a:r>
+            <a:endParaRPr lang="ru-RU" sz="1600" dirty="0">
+              <a:solidFill>
+                <a:schemeClr val="tx1"/>
+              </a:solidFill>
+              <a:latin typeface="Times New Roman" panose="02020603050405020304" pitchFamily="18" charset="0"/>
+              <a:ea typeface="Times New Roman" panose="02020603050405020304" pitchFamily="18" charset="0"/>
+              <a:cs typeface="Times New Roman" panose="02020603050405020304" pitchFamily="18" charset="0"/>
+            </a:endParaRPr>
+          </a:p>
+          <a:p>
+            <a:pPr marL="457200" marR="180340" indent="-276860" algn="r">
+              <a:spcAft>
+                <a:spcPts val="0"/>
+              </a:spcAft>
+            </a:pPr>
+            <a:r>
+              <a:rPr lang="ru-RU" sz="1600" i="1" dirty="0">
+                <a:solidFill>
+                  <a:schemeClr val="tx1"/>
+                </a:solidFill>
+                <a:latin typeface="Times New Roman" panose="02020603050405020304" pitchFamily="18" charset="0"/>
+                <a:ea typeface="Times New Roman" panose="02020603050405020304" pitchFamily="18" charset="0"/>
+                <a:cs typeface="Times New Roman" panose="02020603050405020304" pitchFamily="18" charset="0"/>
+              </a:rPr>
+              <a:t>Принял: 	доц. кафедры ИСПИ</a:t>
+            </a:r>
+            <a:endParaRPr lang="ru-RU" sz="1600" dirty="0">
+              <a:solidFill>
+                <a:schemeClr val="tx1"/>
+              </a:solidFill>
+              <a:latin typeface="Times New Roman" panose="02020603050405020304" pitchFamily="18" charset="0"/>
+              <a:ea typeface="Times New Roman" panose="02020603050405020304" pitchFamily="18" charset="0"/>
+              <a:cs typeface="Times New Roman" panose="02020603050405020304" pitchFamily="18" charset="0"/>
+            </a:endParaRPr>
+          </a:p>
+          <a:p>
+            <a:pPr marL="457200" marR="180340" indent="-276860" algn="r">
+              <a:spcAft>
+                <a:spcPts val="0"/>
+              </a:spcAft>
+            </a:pPr>
+            <a:r>
+              <a:rPr lang="ru-RU" sz="1600" i="1" dirty="0">
+                <a:solidFill>
+                  <a:schemeClr val="tx1"/>
+                </a:solidFill>
+                <a:latin typeface="Times New Roman" panose="02020603050405020304" pitchFamily="18" charset="0"/>
+                <a:ea typeface="Times New Roman" panose="02020603050405020304" pitchFamily="18" charset="0"/>
+                <a:cs typeface="Times New Roman" panose="02020603050405020304" pitchFamily="18" charset="0"/>
+              </a:rPr>
+              <a:t>			</a:t>
+            </a:r>
+            <a:r>
+              <a:rPr lang="ru-RU" sz="1600" i="1" dirty="0" err="1" smtClean="0">
+                <a:solidFill>
+                  <a:schemeClr val="tx1"/>
+                </a:solidFill>
+                <a:latin typeface="Times New Roman" panose="02020603050405020304" pitchFamily="18" charset="0"/>
+                <a:ea typeface="Times New Roman" panose="02020603050405020304" pitchFamily="18" charset="0"/>
+                <a:cs typeface="Times New Roman" panose="02020603050405020304" pitchFamily="18" charset="0"/>
+              </a:rPr>
+              <a:t>Салех</a:t>
+            </a:r>
+            <a:r>
+              <a:rPr lang="ru-RU" sz="1600" i="1" dirty="0" smtClean="0">
+                <a:solidFill>
+                  <a:schemeClr val="tx1"/>
+                </a:solidFill>
+                <a:latin typeface="Times New Roman" panose="02020603050405020304" pitchFamily="18" charset="0"/>
+                <a:ea typeface="Times New Roman" panose="02020603050405020304" pitchFamily="18" charset="0"/>
+                <a:cs typeface="Times New Roman" panose="02020603050405020304" pitchFamily="18" charset="0"/>
+              </a:rPr>
+              <a:t>  Х.М.</a:t>
+            </a:r>
+            <a:endParaRPr lang="ru-RU" sz="1600" dirty="0">
+              <a:solidFill>
+                <a:schemeClr val="tx1"/>
+              </a:solidFill>
+              <a:latin typeface="Times New Roman" panose="02020603050405020304" pitchFamily="18" charset="0"/>
+              <a:ea typeface="Times New Roman" panose="02020603050405020304" pitchFamily="18" charset="0"/>
+              <a:cs typeface="Times New Roman" panose="02020603050405020304" pitchFamily="18" charset="0"/>
+            </a:endParaRPr>
+          </a:p>
+          <a:p>
+            <a:endParaRPr lang="ru-RU" dirty="0"/>
+          </a:p>
+        </p:txBody>
+      </p:sp>
+      <p:sp>
+        <p:nvSpPr>
+          <p:cNvPr id="5" name="Прямоугольник 4"/>
+          <p:cNvSpPr/>
+          <p:nvPr/>
+        </p:nvSpPr>
+        <p:spPr>
+          <a:xfrm>
+            <a:off x="467544" y="4447"/>
+            <a:ext cx="7992888" cy="1754326"/>
+          </a:xfrm>
+          <a:prstGeom prst="rect">
+            <a:avLst/>
+          </a:prstGeom>
+        </p:spPr>
+        <p:txBody>
+          <a:bodyPr wrap="square">
+            <a:spAutoFit/>
+          </a:bodyPr>
+          <a:lstStyle/>
+          <a:p>
+            <a:pPr lvl="0" algn="ctr"/>
+            <a:r>
+              <a:rPr lang="ru-RU" dirty="0">
+                <a:solidFill>
+                  <a:prstClr val="black"/>
+                </a:solidFill>
+                <a:latin typeface="Times New Roman" panose="02020603050405020304" pitchFamily="18" charset="0"/>
+                <a:cs typeface="Times New Roman" panose="02020603050405020304" pitchFamily="18" charset="0"/>
+              </a:rPr>
+              <a:t>Министерство образования и науки Российской Федерации</a:t>
+            </a:r>
+          </a:p>
+          <a:p>
+            <a:pPr lvl="0" algn="ctr"/>
+            <a:r>
+              <a:rPr lang="ru-RU" dirty="0">
+                <a:solidFill>
+                  <a:prstClr val="black"/>
+                </a:solidFill>
+                <a:latin typeface="Times New Roman" panose="02020603050405020304" pitchFamily="18" charset="0"/>
+                <a:cs typeface="Times New Roman" panose="02020603050405020304" pitchFamily="18" charset="0"/>
+              </a:rPr>
+              <a:t>Федеральное государственное бюджетное образовательное учреждение</a:t>
+            </a:r>
+          </a:p>
+          <a:p>
+            <a:pPr lvl="0" algn="ctr"/>
+            <a:r>
+              <a:rPr lang="ru-RU" dirty="0">
+                <a:solidFill>
+                  <a:prstClr val="black"/>
+                </a:solidFill>
+                <a:latin typeface="Times New Roman" panose="02020603050405020304" pitchFamily="18" charset="0"/>
+                <a:cs typeface="Times New Roman" panose="02020603050405020304" pitchFamily="18" charset="0"/>
+              </a:rPr>
+              <a:t>высшего образования</a:t>
+            </a:r>
+          </a:p>
+          <a:p>
+            <a:pPr lvl="0" algn="ctr"/>
+            <a:r>
+              <a:rPr lang="ru-RU" dirty="0">
+                <a:solidFill>
+                  <a:prstClr val="black"/>
+                </a:solidFill>
+                <a:latin typeface="Times New Roman" panose="02020603050405020304" pitchFamily="18" charset="0"/>
+                <a:cs typeface="Times New Roman" panose="02020603050405020304" pitchFamily="18" charset="0"/>
+              </a:rPr>
+              <a:t>«Владимирский государственный университет</a:t>
+            </a:r>
+          </a:p>
+          <a:p>
+            <a:pPr lvl="0" algn="ctr"/>
+            <a:r>
+              <a:rPr lang="ru-RU" dirty="0">
+                <a:solidFill>
+                  <a:prstClr val="black"/>
+                </a:solidFill>
+                <a:latin typeface="Times New Roman" panose="02020603050405020304" pitchFamily="18" charset="0"/>
+                <a:cs typeface="Times New Roman" panose="02020603050405020304" pitchFamily="18" charset="0"/>
+              </a:rPr>
+              <a:t>имени Александра Григорьевича и Николая Григорьевича Столетовых»</a:t>
+            </a:r>
+          </a:p>
+          <a:p>
+            <a:pPr lvl="0" algn="ctr"/>
+            <a:r>
+              <a:rPr lang="ru-RU" dirty="0">
+                <a:solidFill>
+                  <a:prstClr val="black"/>
+                </a:solidFill>
+                <a:latin typeface="Times New Roman" panose="02020603050405020304" pitchFamily="18" charset="0"/>
+                <a:cs typeface="Times New Roman" panose="02020603050405020304" pitchFamily="18" charset="0"/>
+              </a:rPr>
+              <a:t>(</a:t>
+            </a:r>
+            <a:r>
+              <a:rPr lang="ru-RU" dirty="0" err="1">
+                <a:solidFill>
+                  <a:prstClr val="black"/>
+                </a:solidFill>
+                <a:latin typeface="Times New Roman" panose="02020603050405020304" pitchFamily="18" charset="0"/>
+                <a:cs typeface="Times New Roman" panose="02020603050405020304" pitchFamily="18" charset="0"/>
+              </a:rPr>
+              <a:t>ВлГУ</a:t>
+            </a:r>
+            <a:r>
+              <a:rPr lang="ru-RU" dirty="0">
+                <a:solidFill>
+                  <a:prstClr val="black"/>
+                </a:solidFill>
+                <a:latin typeface="Times New Roman" panose="02020603050405020304" pitchFamily="18" charset="0"/>
+                <a:cs typeface="Times New Roman" panose="02020603050405020304" pitchFamily="18" charset="0"/>
+              </a:rPr>
+              <a:t>)</a:t>
+            </a:r>
+          </a:p>
+        </p:txBody>
+      </p:sp>
+      <p:sp>
+        <p:nvSpPr>
+          <p:cNvPr id="6" name="Прямоугольник 5"/>
+          <p:cNvSpPr/>
+          <p:nvPr/>
+        </p:nvSpPr>
+        <p:spPr>
+          <a:xfrm>
+            <a:off x="3708250" y="6237312"/>
+            <a:ext cx="1757212" cy="369332"/>
+          </a:xfrm>
+          <a:prstGeom prst="rect">
+            <a:avLst/>
+          </a:prstGeom>
+        </p:spPr>
+        <p:txBody>
+          <a:bodyPr wrap="none">
+            <a:spAutoFit/>
+          </a:bodyPr>
+          <a:lstStyle/>
+          <a:p>
+            <a:r>
+              <a:rPr lang="ru-RU" i="1" dirty="0">
+                <a:latin typeface="Times New Roman" panose="02020603050405020304" pitchFamily="18" charset="0"/>
+                <a:cs typeface="Times New Roman" panose="02020603050405020304" pitchFamily="18" charset="0"/>
+              </a:rPr>
+              <a:t>Владимир, 2018</a:t>
+            </a:r>
+            <a:endParaRPr lang="ru-RU" dirty="0">
+              <a:latin typeface="Times New Roman" panose="02020603050405020304" pitchFamily="18" charset="0"/>
+              <a:cs typeface="Times New Roman" panose="02020603050405020304" pitchFamily="18" charset="0"/>
+            </a:endParaRPr>
           </a:p>
         </p:txBody>
       </p:sp>
@@ -3085,6 +3856,2266 @@
   <p:clrMapOvr>
     <a:masterClrMapping/>
   </p:clrMapOvr>
+  <p:timing>
+    <p:tnLst>
+      <p:par>
+        <p:cTn id="1" dur="indefinite" restart="never" nodeType="tmRoot"/>
+      </p:par>
+    </p:tnLst>
+  </p:timing>
+</p:sld>
+</file>
+
+<file path=ppt/slides/slide10.xml><?xml version="1.0" encoding="utf-8"?>
+<p:sld xmlns:a="http://schemas.openxmlformats.org/drawingml/2006/main" xmlns:r="http://schemas.openxmlformats.org/officeDocument/2006/relationships" xmlns:p="http://schemas.openxmlformats.org/presentationml/2006/main">
+  <p:cSld>
+    <p:spTree>
+      <p:nvGrpSpPr>
+        <p:cNvPr id="1" name=""/>
+        <p:cNvGrpSpPr/>
+        <p:nvPr/>
+      </p:nvGrpSpPr>
+      <p:grpSpPr>
+        <a:xfrm>
+          <a:off x="0" y="0"/>
+          <a:ext cx="0" cy="0"/>
+          <a:chOff x="0" y="0"/>
+          <a:chExt cx="0" cy="0"/>
+        </a:xfrm>
+      </p:grpSpPr>
+      <p:sp>
+        <p:nvSpPr>
+          <p:cNvPr id="2" name="Заголовок 1"/>
+          <p:cNvSpPr>
+            <a:spLocks noGrp="1"/>
+          </p:cNvSpPr>
+          <p:nvPr>
+            <p:ph type="title"/>
+          </p:nvPr>
+        </p:nvSpPr>
+        <p:spPr/>
+        <p:txBody>
+          <a:bodyPr>
+            <a:normAutofit fontScale="90000"/>
+          </a:bodyPr>
+          <a:lstStyle/>
+          <a:p>
+            <a:r>
+              <a:rPr lang="ru-RU" dirty="0" smtClean="0"/>
+              <a:t>Диаграмма состояний объекта «Тест»</a:t>
+            </a:r>
+            <a:endParaRPr lang="ru-RU" dirty="0"/>
+          </a:p>
+        </p:txBody>
+      </p:sp>
+      <p:sp>
+        <p:nvSpPr>
+          <p:cNvPr id="3" name="Номер слайда 2"/>
+          <p:cNvSpPr>
+            <a:spLocks noGrp="1"/>
+          </p:cNvSpPr>
+          <p:nvPr>
+            <p:ph type="sldNum" sz="quarter" idx="12"/>
+          </p:nvPr>
+        </p:nvSpPr>
+        <p:spPr/>
+        <p:txBody>
+          <a:bodyPr/>
+          <a:lstStyle/>
+          <a:p>
+            <a:fld id="{B19B0651-EE4F-4900-A07F-96A6BFA9D0F0}" type="slidenum">
+              <a:rPr lang="ru-RU" smtClean="0"/>
+              <a:t>10</a:t>
+            </a:fld>
+            <a:endParaRPr lang="ru-RU"/>
+          </a:p>
+        </p:txBody>
+      </p:sp>
+      <p:pic>
+        <p:nvPicPr>
+          <p:cNvPr id="4" name="Рисунок 3"/>
+          <p:cNvPicPr/>
+          <p:nvPr/>
+        </p:nvPicPr>
+        <p:blipFill>
+          <a:blip r:embed="rId2">
+            <a:extLst>
+              <a:ext uri="{28A0092B-C50C-407E-A947-70E740481C1C}">
+                <a14:useLocalDpi xmlns:a14="http://schemas.microsoft.com/office/drawing/2010/main" val="0"/>
+              </a:ext>
+            </a:extLst>
+          </a:blip>
+          <a:stretch>
+            <a:fillRect/>
+          </a:stretch>
+        </p:blipFill>
+        <p:spPr>
+          <a:xfrm>
+            <a:off x="1763688" y="1700808"/>
+            <a:ext cx="6314941" cy="4503415"/>
+          </a:xfrm>
+          <a:prstGeom prst="rect">
+            <a:avLst/>
+          </a:prstGeom>
+        </p:spPr>
+      </p:pic>
+    </p:spTree>
+    <p:extLst>
+      <p:ext uri="{BB962C8B-B14F-4D97-AF65-F5344CB8AC3E}">
+        <p14:creationId xmlns:p14="http://schemas.microsoft.com/office/powerpoint/2010/main" val="751577227"/>
+      </p:ext>
+    </p:extLst>
+  </p:cSld>
+  <p:clrMapOvr>
+    <a:masterClrMapping/>
+  </p:clrMapOvr>
+</p:sld>
+</file>
+
+<file path=ppt/slides/slide11.xml><?xml version="1.0" encoding="utf-8"?>
+<p:sld xmlns:a="http://schemas.openxmlformats.org/drawingml/2006/main" xmlns:r="http://schemas.openxmlformats.org/officeDocument/2006/relationships" xmlns:p="http://schemas.openxmlformats.org/presentationml/2006/main">
+  <p:cSld>
+    <p:spTree>
+      <p:nvGrpSpPr>
+        <p:cNvPr id="1" name=""/>
+        <p:cNvGrpSpPr/>
+        <p:nvPr/>
+      </p:nvGrpSpPr>
+      <p:grpSpPr>
+        <a:xfrm>
+          <a:off x="0" y="0"/>
+          <a:ext cx="0" cy="0"/>
+          <a:chOff x="0" y="0"/>
+          <a:chExt cx="0" cy="0"/>
+        </a:xfrm>
+      </p:grpSpPr>
+      <p:sp>
+        <p:nvSpPr>
+          <p:cNvPr id="2" name="Заголовок 1"/>
+          <p:cNvSpPr>
+            <a:spLocks noGrp="1"/>
+          </p:cNvSpPr>
+          <p:nvPr>
+            <p:ph type="title"/>
+          </p:nvPr>
+        </p:nvSpPr>
+        <p:spPr>
+          <a:xfrm>
+            <a:off x="514747" y="150876"/>
+            <a:ext cx="8229600" cy="1143000"/>
+          </a:xfrm>
+        </p:spPr>
+        <p:txBody>
+          <a:bodyPr/>
+          <a:lstStyle/>
+          <a:p>
+            <a:r>
+              <a:rPr lang="ru-RU" dirty="0" smtClean="0"/>
+              <a:t>Структура базы данных</a:t>
+            </a:r>
+            <a:endParaRPr lang="ru-RU" dirty="0"/>
+          </a:p>
+        </p:txBody>
+      </p:sp>
+      <p:sp>
+        <p:nvSpPr>
+          <p:cNvPr id="3" name="Номер слайда 2"/>
+          <p:cNvSpPr>
+            <a:spLocks noGrp="1"/>
+          </p:cNvSpPr>
+          <p:nvPr>
+            <p:ph type="sldNum" sz="quarter" idx="12"/>
+          </p:nvPr>
+        </p:nvSpPr>
+        <p:spPr/>
+        <p:txBody>
+          <a:bodyPr/>
+          <a:lstStyle/>
+          <a:p>
+            <a:fld id="{B19B0651-EE4F-4900-A07F-96A6BFA9D0F0}" type="slidenum">
+              <a:rPr lang="ru-RU" smtClean="0"/>
+              <a:t>11</a:t>
+            </a:fld>
+            <a:endParaRPr lang="ru-RU"/>
+          </a:p>
+        </p:txBody>
+      </p:sp>
+      <p:pic>
+        <p:nvPicPr>
+          <p:cNvPr id="2050" name="Picture 2" descr="C:\Users\nasty\Documents\GitHub\Victorina_development\Диаграммы\PostgreSQL.png"/>
+          <p:cNvPicPr>
+            <a:picLocks noChangeAspect="1" noChangeArrowheads="1"/>
+          </p:cNvPicPr>
+          <p:nvPr/>
+        </p:nvPicPr>
+        <p:blipFill>
+          <a:blip r:embed="rId2">
+            <a:extLst>
+              <a:ext uri="{28A0092B-C50C-407E-A947-70E740481C1C}">
+                <a14:useLocalDpi xmlns:a14="http://schemas.microsoft.com/office/drawing/2010/main" val="0"/>
+              </a:ext>
+            </a:extLst>
+          </a:blip>
+          <a:srcRect/>
+          <a:stretch>
+            <a:fillRect/>
+          </a:stretch>
+        </p:blipFill>
+        <p:spPr bwMode="auto">
+          <a:xfrm>
+            <a:off x="1115615" y="1124744"/>
+            <a:ext cx="7027863" cy="5600700"/>
+          </a:xfrm>
+          <a:prstGeom prst="rect">
+            <a:avLst/>
+          </a:prstGeom>
+          <a:noFill/>
+          <a:extLst>
+            <a:ext uri="{909E8E84-426E-40DD-AFC4-6F175D3DCCD1}">
+              <a14:hiddenFill xmlns:a14="http://schemas.microsoft.com/office/drawing/2010/main">
+                <a:solidFill>
+                  <a:srgbClr val="FFFFFF"/>
+                </a:solidFill>
+              </a14:hiddenFill>
+            </a:ext>
+          </a:extLst>
+        </p:spPr>
+      </p:pic>
+    </p:spTree>
+    <p:extLst>
+      <p:ext uri="{BB962C8B-B14F-4D97-AF65-F5344CB8AC3E}">
+        <p14:creationId xmlns:p14="http://schemas.microsoft.com/office/powerpoint/2010/main" val="651354626"/>
+      </p:ext>
+    </p:extLst>
+  </p:cSld>
+  <p:clrMapOvr>
+    <a:masterClrMapping/>
+  </p:clrMapOvr>
+</p:sld>
+</file>
+
+<file path=ppt/slides/slide12.xml><?xml version="1.0" encoding="utf-8"?>
+<p:sld xmlns:a="http://schemas.openxmlformats.org/drawingml/2006/main" xmlns:r="http://schemas.openxmlformats.org/officeDocument/2006/relationships" xmlns:p="http://schemas.openxmlformats.org/presentationml/2006/main">
+  <p:cSld>
+    <p:spTree>
+      <p:nvGrpSpPr>
+        <p:cNvPr id="1" name=""/>
+        <p:cNvGrpSpPr/>
+        <p:nvPr/>
+      </p:nvGrpSpPr>
+      <p:grpSpPr>
+        <a:xfrm>
+          <a:off x="0" y="0"/>
+          <a:ext cx="0" cy="0"/>
+          <a:chOff x="0" y="0"/>
+          <a:chExt cx="0" cy="0"/>
+        </a:xfrm>
+      </p:grpSpPr>
+      <p:sp>
+        <p:nvSpPr>
+          <p:cNvPr id="2" name="Заголовок 1"/>
+          <p:cNvSpPr>
+            <a:spLocks noGrp="1"/>
+          </p:cNvSpPr>
+          <p:nvPr>
+            <p:ph type="title"/>
+          </p:nvPr>
+        </p:nvSpPr>
+        <p:spPr/>
+        <p:txBody>
+          <a:bodyPr/>
+          <a:lstStyle/>
+          <a:p>
+            <a:r>
+              <a:rPr lang="ru-RU" dirty="0" smtClean="0"/>
+              <a:t>Диаграмма развертывания</a:t>
+            </a:r>
+            <a:endParaRPr lang="ru-RU" dirty="0"/>
+          </a:p>
+        </p:txBody>
+      </p:sp>
+      <p:pic>
+        <p:nvPicPr>
+          <p:cNvPr id="3" name="Рисунок 2"/>
+          <p:cNvPicPr/>
+          <p:nvPr/>
+        </p:nvPicPr>
+        <p:blipFill>
+          <a:blip r:embed="rId2">
+            <a:extLst>
+              <a:ext uri="{28A0092B-C50C-407E-A947-70E740481C1C}">
+                <a14:useLocalDpi xmlns:a14="http://schemas.microsoft.com/office/drawing/2010/main" val="0"/>
+              </a:ext>
+            </a:extLst>
+          </a:blip>
+          <a:stretch>
+            <a:fillRect/>
+          </a:stretch>
+        </p:blipFill>
+        <p:spPr>
+          <a:xfrm>
+            <a:off x="755576" y="1556792"/>
+            <a:ext cx="7632848" cy="4464496"/>
+          </a:xfrm>
+          <a:prstGeom prst="rect">
+            <a:avLst/>
+          </a:prstGeom>
+        </p:spPr>
+      </p:pic>
+      <p:sp>
+        <p:nvSpPr>
+          <p:cNvPr id="4" name="Номер слайда 3"/>
+          <p:cNvSpPr>
+            <a:spLocks noGrp="1"/>
+          </p:cNvSpPr>
+          <p:nvPr>
+            <p:ph type="sldNum" sz="quarter" idx="12"/>
+          </p:nvPr>
+        </p:nvSpPr>
+        <p:spPr/>
+        <p:txBody>
+          <a:bodyPr/>
+          <a:lstStyle/>
+          <a:p>
+            <a:fld id="{B19B0651-EE4F-4900-A07F-96A6BFA9D0F0}" type="slidenum">
+              <a:rPr lang="ru-RU" smtClean="0"/>
+              <a:t>12</a:t>
+            </a:fld>
+            <a:endParaRPr lang="ru-RU"/>
+          </a:p>
+        </p:txBody>
+      </p:sp>
+    </p:spTree>
+    <p:extLst>
+      <p:ext uri="{BB962C8B-B14F-4D97-AF65-F5344CB8AC3E}">
+        <p14:creationId xmlns:p14="http://schemas.microsoft.com/office/powerpoint/2010/main" val="1072383415"/>
+      </p:ext>
+    </p:extLst>
+  </p:cSld>
+  <p:clrMapOvr>
+    <a:masterClrMapping/>
+  </p:clrMapOvr>
+</p:sld>
+</file>
+
+<file path=ppt/slides/slide13.xml><?xml version="1.0" encoding="utf-8"?>
+<p:sld xmlns:a="http://schemas.openxmlformats.org/drawingml/2006/main" xmlns:r="http://schemas.openxmlformats.org/officeDocument/2006/relationships" xmlns:p="http://schemas.openxmlformats.org/presentationml/2006/main">
+  <p:cSld>
+    <p:spTree>
+      <p:nvGrpSpPr>
+        <p:cNvPr id="1" name=""/>
+        <p:cNvGrpSpPr/>
+        <p:nvPr/>
+      </p:nvGrpSpPr>
+      <p:grpSpPr>
+        <a:xfrm>
+          <a:off x="0" y="0"/>
+          <a:ext cx="0" cy="0"/>
+          <a:chOff x="0" y="0"/>
+          <a:chExt cx="0" cy="0"/>
+        </a:xfrm>
+      </p:grpSpPr>
+      <p:sp>
+        <p:nvSpPr>
+          <p:cNvPr id="2" name="Заголовок 1"/>
+          <p:cNvSpPr>
+            <a:spLocks noGrp="1"/>
+          </p:cNvSpPr>
+          <p:nvPr>
+            <p:ph type="title"/>
+          </p:nvPr>
+        </p:nvSpPr>
+        <p:spPr/>
+        <p:txBody>
+          <a:bodyPr/>
+          <a:lstStyle/>
+          <a:p>
+            <a:r>
+              <a:rPr lang="ru-RU" dirty="0" smtClean="0"/>
+              <a:t>Интерфейс</a:t>
+            </a:r>
+            <a:endParaRPr lang="ru-RU" dirty="0"/>
+          </a:p>
+        </p:txBody>
+      </p:sp>
+      <p:pic>
+        <p:nvPicPr>
+          <p:cNvPr id="3" name="Рисунок 2"/>
+          <p:cNvPicPr/>
+          <p:nvPr/>
+        </p:nvPicPr>
+        <p:blipFill>
+          <a:blip r:embed="rId2"/>
+          <a:stretch>
+            <a:fillRect/>
+          </a:stretch>
+        </p:blipFill>
+        <p:spPr>
+          <a:xfrm>
+            <a:off x="762464" y="1700808"/>
+            <a:ext cx="2304256" cy="4138295"/>
+          </a:xfrm>
+          <a:prstGeom prst="rect">
+            <a:avLst/>
+          </a:prstGeom>
+        </p:spPr>
+      </p:pic>
+      <p:pic>
+        <p:nvPicPr>
+          <p:cNvPr id="5" name="Рисунок 4"/>
+          <p:cNvPicPr/>
+          <p:nvPr/>
+        </p:nvPicPr>
+        <p:blipFill>
+          <a:blip r:embed="rId3"/>
+          <a:stretch>
+            <a:fillRect/>
+          </a:stretch>
+        </p:blipFill>
+        <p:spPr>
+          <a:xfrm>
+            <a:off x="6288720" y="1723656"/>
+            <a:ext cx="2331720" cy="4138295"/>
+          </a:xfrm>
+          <a:prstGeom prst="rect">
+            <a:avLst/>
+          </a:prstGeom>
+        </p:spPr>
+      </p:pic>
+      <p:sp>
+        <p:nvSpPr>
+          <p:cNvPr id="6" name="Номер слайда 5"/>
+          <p:cNvSpPr>
+            <a:spLocks noGrp="1"/>
+          </p:cNvSpPr>
+          <p:nvPr>
+            <p:ph type="sldNum" sz="quarter" idx="12"/>
+          </p:nvPr>
+        </p:nvSpPr>
+        <p:spPr/>
+        <p:txBody>
+          <a:bodyPr/>
+          <a:lstStyle/>
+          <a:p>
+            <a:fld id="{B19B0651-EE4F-4900-A07F-96A6BFA9D0F0}" type="slidenum">
+              <a:rPr lang="ru-RU" smtClean="0"/>
+              <a:t>13</a:t>
+            </a:fld>
+            <a:endParaRPr lang="ru-RU"/>
+          </a:p>
+        </p:txBody>
+      </p:sp>
+      <p:pic>
+        <p:nvPicPr>
+          <p:cNvPr id="3075" name="Picture 3"/>
+          <p:cNvPicPr>
+            <a:picLocks noChangeAspect="1" noChangeArrowheads="1"/>
+          </p:cNvPicPr>
+          <p:nvPr/>
+        </p:nvPicPr>
+        <p:blipFill>
+          <a:blip r:embed="rId4">
+            <a:extLst>
+              <a:ext uri="{28A0092B-C50C-407E-A947-70E740481C1C}">
+                <a14:useLocalDpi xmlns:a14="http://schemas.microsoft.com/office/drawing/2010/main" val="0"/>
+              </a:ext>
+            </a:extLst>
+          </a:blip>
+          <a:srcRect/>
+          <a:stretch>
+            <a:fillRect/>
+          </a:stretch>
+        </p:blipFill>
+        <p:spPr bwMode="auto">
+          <a:xfrm>
+            <a:off x="3491880" y="1717952"/>
+            <a:ext cx="2343856" cy="4121151"/>
+          </a:xfrm>
+          <a:prstGeom prst="rect">
+            <a:avLst/>
+          </a:prstGeom>
+          <a:noFill/>
+          <a:ln>
+            <a:noFill/>
+          </a:ln>
+          <a:extLst>
+            <a:ext uri="{909E8E84-426E-40DD-AFC4-6F175D3DCCD1}">
+              <a14:hiddenFill xmlns:a14="http://schemas.microsoft.com/office/drawing/2010/main">
+                <a:solidFill>
+                  <a:schemeClr val="accent1"/>
+                </a:solidFill>
+              </a14:hiddenFill>
+            </a:ext>
+            <a:ext uri="{91240B29-F687-4F45-9708-019B960494DF}">
+              <a14:hiddenLine xmlns:a14="http://schemas.microsoft.com/office/drawing/2010/main" w="9525">
+                <a:solidFill>
+                  <a:schemeClr val="tx1"/>
+                </a:solidFill>
+                <a:miter lim="800000"/>
+                <a:headEnd/>
+                <a:tailEnd/>
+              </a14:hiddenLine>
+            </a:ext>
+          </a:extLst>
+        </p:spPr>
+      </p:pic>
+    </p:spTree>
+    <p:extLst>
+      <p:ext uri="{BB962C8B-B14F-4D97-AF65-F5344CB8AC3E}">
+        <p14:creationId xmlns:p14="http://schemas.microsoft.com/office/powerpoint/2010/main" val="442572849"/>
+      </p:ext>
+    </p:extLst>
+  </p:cSld>
+  <p:clrMapOvr>
+    <a:masterClrMapping/>
+  </p:clrMapOvr>
+</p:sld>
+</file>
+
+<file path=ppt/slides/slide14.xml><?xml version="1.0" encoding="utf-8"?>
+<p:sld xmlns:a="http://schemas.openxmlformats.org/drawingml/2006/main" xmlns:r="http://schemas.openxmlformats.org/officeDocument/2006/relationships" xmlns:p="http://schemas.openxmlformats.org/presentationml/2006/main">
+  <p:cSld>
+    <p:spTree>
+      <p:nvGrpSpPr>
+        <p:cNvPr id="1" name=""/>
+        <p:cNvGrpSpPr/>
+        <p:nvPr/>
+      </p:nvGrpSpPr>
+      <p:grpSpPr>
+        <a:xfrm>
+          <a:off x="0" y="0"/>
+          <a:ext cx="0" cy="0"/>
+          <a:chOff x="0" y="0"/>
+          <a:chExt cx="0" cy="0"/>
+        </a:xfrm>
+      </p:grpSpPr>
+      <p:sp>
+        <p:nvSpPr>
+          <p:cNvPr id="2" name="Заголовок 1"/>
+          <p:cNvSpPr>
+            <a:spLocks noGrp="1"/>
+          </p:cNvSpPr>
+          <p:nvPr>
+            <p:ph type="title"/>
+          </p:nvPr>
+        </p:nvSpPr>
+        <p:spPr/>
+        <p:txBody>
+          <a:bodyPr>
+            <a:normAutofit fontScale="90000"/>
+          </a:bodyPr>
+          <a:lstStyle/>
+          <a:p>
+            <a:r>
+              <a:rPr lang="ru-RU" dirty="0" smtClean="0"/>
+              <a:t>Технологии, инструменты и среда разработки</a:t>
+            </a:r>
+            <a:endParaRPr lang="ru-RU" dirty="0"/>
+          </a:p>
+        </p:txBody>
+      </p:sp>
+      <p:sp>
+        <p:nvSpPr>
+          <p:cNvPr id="3" name="Прямоугольник 2"/>
+          <p:cNvSpPr/>
+          <p:nvPr/>
+        </p:nvSpPr>
+        <p:spPr>
+          <a:xfrm>
+            <a:off x="1115616" y="1700808"/>
+            <a:ext cx="6912768" cy="4683333"/>
+          </a:xfrm>
+          <a:prstGeom prst="rect">
+            <a:avLst/>
+          </a:prstGeom>
+        </p:spPr>
+        <p:txBody>
+          <a:bodyPr wrap="square">
+            <a:spAutoFit/>
+          </a:bodyPr>
+          <a:lstStyle/>
+          <a:p>
+            <a:pPr marL="342900" lvl="0" indent="-342900" algn="just">
+              <a:lnSpc>
+                <a:spcPct val="150000"/>
+              </a:lnSpc>
+              <a:spcAft>
+                <a:spcPts val="1000"/>
+              </a:spcAft>
+              <a:buFont typeface="+mj-lt"/>
+              <a:buAutoNum type="arabicParenR"/>
+            </a:pPr>
+            <a:r>
+              <a:rPr lang="ru-RU" sz="2000" dirty="0">
+                <a:solidFill>
+                  <a:srgbClr val="000000"/>
+                </a:solidFill>
+                <a:latin typeface="Times New Roman"/>
+                <a:ea typeface="Times New Roman"/>
+              </a:rPr>
+              <a:t>Программа реализована на языке </a:t>
+            </a:r>
+            <a:r>
+              <a:rPr lang="en-US" sz="2000" dirty="0">
+                <a:solidFill>
+                  <a:srgbClr val="000000"/>
+                </a:solidFill>
+                <a:latin typeface="Times New Roman"/>
+                <a:ea typeface="Times New Roman"/>
+              </a:rPr>
+              <a:t>C</a:t>
+            </a:r>
+            <a:r>
+              <a:rPr lang="ru-RU" sz="2000" dirty="0">
+                <a:solidFill>
+                  <a:srgbClr val="000000"/>
+                </a:solidFill>
+                <a:latin typeface="Times New Roman"/>
+                <a:ea typeface="Times New Roman"/>
+              </a:rPr>
+              <a:t>#;</a:t>
+            </a:r>
+            <a:endParaRPr lang="ru-RU" sz="2000" dirty="0">
+              <a:latin typeface="Times New Roman"/>
+              <a:ea typeface="Times New Roman"/>
+            </a:endParaRPr>
+          </a:p>
+          <a:p>
+            <a:pPr marL="342900" lvl="0" indent="-342900" algn="just">
+              <a:lnSpc>
+                <a:spcPct val="150000"/>
+              </a:lnSpc>
+              <a:spcAft>
+                <a:spcPts val="1000"/>
+              </a:spcAft>
+              <a:buFont typeface="+mj-lt"/>
+              <a:buAutoNum type="arabicParenR"/>
+            </a:pPr>
+            <a:r>
+              <a:rPr lang="ru-RU" sz="2000" dirty="0" smtClean="0">
+                <a:solidFill>
+                  <a:srgbClr val="000000"/>
+                </a:solidFill>
+                <a:latin typeface="Times New Roman"/>
+                <a:ea typeface="Times New Roman"/>
+              </a:rPr>
+              <a:t>Среда </a:t>
+            </a:r>
+            <a:r>
+              <a:rPr lang="ru-RU" sz="2000" dirty="0">
+                <a:solidFill>
+                  <a:srgbClr val="000000"/>
+                </a:solidFill>
+                <a:latin typeface="Times New Roman"/>
+                <a:ea typeface="Times New Roman"/>
+              </a:rPr>
+              <a:t>разработки – </a:t>
+            </a:r>
+            <a:r>
+              <a:rPr lang="en-US" sz="2000" dirty="0">
+                <a:solidFill>
+                  <a:srgbClr val="000000"/>
+                </a:solidFill>
+                <a:latin typeface="Times New Roman"/>
+                <a:ea typeface="Times New Roman"/>
+              </a:rPr>
+              <a:t>Unity</a:t>
+            </a:r>
+            <a:r>
+              <a:rPr lang="ru-RU" sz="2000" dirty="0">
+                <a:solidFill>
+                  <a:srgbClr val="000000"/>
+                </a:solidFill>
+                <a:latin typeface="Times New Roman"/>
+                <a:ea typeface="Times New Roman"/>
+              </a:rPr>
+              <a:t>3</a:t>
+            </a:r>
+            <a:r>
+              <a:rPr lang="en-US" sz="2000" dirty="0">
+                <a:solidFill>
+                  <a:srgbClr val="000000"/>
+                </a:solidFill>
+                <a:latin typeface="Times New Roman"/>
+                <a:ea typeface="Times New Roman"/>
+              </a:rPr>
+              <a:t>D</a:t>
+            </a:r>
+            <a:r>
+              <a:rPr lang="ru-RU" sz="2000" dirty="0">
+                <a:solidFill>
+                  <a:srgbClr val="000000"/>
+                </a:solidFill>
+                <a:latin typeface="Times New Roman"/>
+                <a:ea typeface="Times New Roman"/>
+              </a:rPr>
+              <a:t>;</a:t>
+            </a:r>
+            <a:endParaRPr lang="ru-RU" sz="2000" dirty="0">
+              <a:latin typeface="Times New Roman"/>
+              <a:ea typeface="Times New Roman"/>
+            </a:endParaRPr>
+          </a:p>
+          <a:p>
+            <a:pPr marL="342900" lvl="0" indent="-342900" algn="just">
+              <a:lnSpc>
+                <a:spcPct val="150000"/>
+              </a:lnSpc>
+              <a:spcAft>
+                <a:spcPts val="1000"/>
+              </a:spcAft>
+              <a:buFont typeface="+mj-lt"/>
+              <a:buAutoNum type="arabicParenR"/>
+            </a:pPr>
+            <a:r>
+              <a:rPr lang="ru-RU" sz="2000" dirty="0" smtClean="0">
+                <a:solidFill>
+                  <a:srgbClr val="000000"/>
+                </a:solidFill>
+                <a:latin typeface="Times New Roman"/>
+                <a:ea typeface="Times New Roman"/>
+              </a:rPr>
+              <a:t>Среда </a:t>
+            </a:r>
+            <a:r>
+              <a:rPr lang="ru-RU" sz="2000" dirty="0">
+                <a:solidFill>
+                  <a:srgbClr val="000000"/>
+                </a:solidFill>
+                <a:latin typeface="Times New Roman"/>
+                <a:ea typeface="Times New Roman"/>
+              </a:rPr>
+              <a:t>программирования сервера – </a:t>
+            </a:r>
+            <a:r>
+              <a:rPr lang="en-US" sz="2000" dirty="0">
+                <a:latin typeface="Times New Roman"/>
+                <a:ea typeface="Times New Roman"/>
+              </a:rPr>
+              <a:t>IntelliJ IDEA</a:t>
+            </a:r>
+            <a:r>
+              <a:rPr lang="ru-RU" sz="2000" dirty="0">
+                <a:solidFill>
+                  <a:srgbClr val="000000"/>
+                </a:solidFill>
+                <a:latin typeface="Times New Roman"/>
+                <a:ea typeface="Times New Roman"/>
+              </a:rPr>
+              <a:t>;</a:t>
+            </a:r>
+            <a:endParaRPr lang="ru-RU" sz="2000" dirty="0">
+              <a:latin typeface="Times New Roman"/>
+              <a:ea typeface="Times New Roman"/>
+            </a:endParaRPr>
+          </a:p>
+          <a:p>
+            <a:pPr marL="342900" lvl="0" indent="-342900" algn="just">
+              <a:lnSpc>
+                <a:spcPct val="150000"/>
+              </a:lnSpc>
+              <a:spcAft>
+                <a:spcPts val="1000"/>
+              </a:spcAft>
+              <a:buFont typeface="+mj-lt"/>
+              <a:buAutoNum type="arabicParenR"/>
+            </a:pPr>
+            <a:r>
+              <a:rPr lang="ru-RU" sz="2000" dirty="0" smtClean="0">
+                <a:solidFill>
+                  <a:srgbClr val="000000"/>
+                </a:solidFill>
+                <a:latin typeface="Times New Roman"/>
+                <a:ea typeface="Times New Roman"/>
+              </a:rPr>
+              <a:t>Язык </a:t>
+            </a:r>
+            <a:r>
+              <a:rPr lang="ru-RU" sz="2000" dirty="0">
+                <a:solidFill>
+                  <a:srgbClr val="000000"/>
+                </a:solidFill>
+                <a:latin typeface="Times New Roman"/>
+                <a:ea typeface="Times New Roman"/>
+              </a:rPr>
+              <a:t>реализации сервера – </a:t>
+            </a:r>
+            <a:r>
+              <a:rPr lang="en-US" sz="2000" dirty="0">
+                <a:solidFill>
+                  <a:srgbClr val="000000"/>
+                </a:solidFill>
+                <a:latin typeface="Times New Roman"/>
+                <a:ea typeface="Times New Roman"/>
+              </a:rPr>
+              <a:t>Java</a:t>
+            </a:r>
+            <a:r>
+              <a:rPr lang="ru-RU" sz="2000" dirty="0">
+                <a:solidFill>
+                  <a:srgbClr val="000000"/>
+                </a:solidFill>
+                <a:latin typeface="Times New Roman"/>
+                <a:ea typeface="Times New Roman"/>
+              </a:rPr>
+              <a:t>;</a:t>
+            </a:r>
+            <a:endParaRPr lang="ru-RU" sz="2000" dirty="0">
+              <a:latin typeface="Times New Roman"/>
+              <a:ea typeface="Times New Roman"/>
+            </a:endParaRPr>
+          </a:p>
+          <a:p>
+            <a:pPr marL="342900" lvl="0" indent="-342900" algn="just">
+              <a:lnSpc>
+                <a:spcPct val="150000"/>
+              </a:lnSpc>
+              <a:spcAft>
+                <a:spcPts val="1000"/>
+              </a:spcAft>
+              <a:buFont typeface="+mj-lt"/>
+              <a:buAutoNum type="arabicParenR"/>
+            </a:pPr>
+            <a:r>
+              <a:rPr lang="ru-RU" sz="2000" dirty="0" smtClean="0">
+                <a:solidFill>
+                  <a:srgbClr val="000000"/>
+                </a:solidFill>
+                <a:latin typeface="Times New Roman"/>
+                <a:ea typeface="Times New Roman"/>
+              </a:rPr>
+              <a:t>База </a:t>
+            </a:r>
+            <a:r>
+              <a:rPr lang="ru-RU" sz="2000" dirty="0">
+                <a:solidFill>
+                  <a:srgbClr val="000000"/>
+                </a:solidFill>
+                <a:latin typeface="Times New Roman"/>
+                <a:ea typeface="Times New Roman"/>
+              </a:rPr>
+              <a:t>данных – </a:t>
+            </a:r>
+            <a:r>
+              <a:rPr lang="en-US" sz="2000" dirty="0">
+                <a:solidFill>
+                  <a:srgbClr val="000000"/>
+                </a:solidFill>
+                <a:latin typeface="Times New Roman"/>
+                <a:ea typeface="Times New Roman"/>
+              </a:rPr>
+              <a:t>PostgreSQL</a:t>
+            </a:r>
+            <a:r>
+              <a:rPr lang="ru-RU" sz="2000" dirty="0">
+                <a:solidFill>
+                  <a:srgbClr val="000000"/>
+                </a:solidFill>
+                <a:latin typeface="Times New Roman"/>
+                <a:ea typeface="Times New Roman"/>
+              </a:rPr>
+              <a:t>.</a:t>
+            </a:r>
+            <a:endParaRPr lang="ru-RU" sz="2000" dirty="0">
+              <a:latin typeface="Times New Roman"/>
+              <a:ea typeface="Times New Roman"/>
+            </a:endParaRPr>
+          </a:p>
+          <a:p>
+            <a:pPr marL="342900" lvl="0" indent="-342900" algn="just">
+              <a:lnSpc>
+                <a:spcPct val="150000"/>
+              </a:lnSpc>
+              <a:spcAft>
+                <a:spcPts val="1000"/>
+              </a:spcAft>
+              <a:buFont typeface="+mj-lt"/>
+              <a:buAutoNum type="arabicParenR"/>
+            </a:pPr>
+            <a:r>
+              <a:rPr lang="ru-RU" sz="2000" kern="1600" dirty="0">
+                <a:latin typeface="Times New Roman"/>
+                <a:ea typeface="Times New Roman"/>
+              </a:rPr>
+              <a:t>Язык моделирования – </a:t>
+            </a:r>
+            <a:r>
+              <a:rPr lang="en-US" sz="2000" kern="1600" dirty="0">
+                <a:latin typeface="Times New Roman"/>
+                <a:ea typeface="Times New Roman"/>
+              </a:rPr>
+              <a:t>UML</a:t>
+            </a:r>
+            <a:endParaRPr lang="ru-RU" sz="2000" dirty="0">
+              <a:latin typeface="Times New Roman"/>
+              <a:ea typeface="Times New Roman"/>
+            </a:endParaRPr>
+          </a:p>
+          <a:p>
+            <a:pPr marL="342900" lvl="0" indent="-342900" algn="just">
+              <a:lnSpc>
+                <a:spcPct val="150000"/>
+              </a:lnSpc>
+              <a:spcAft>
+                <a:spcPts val="1000"/>
+              </a:spcAft>
+              <a:buFont typeface="+mj-lt"/>
+              <a:buAutoNum type="arabicParenR"/>
+            </a:pPr>
+            <a:r>
+              <a:rPr lang="ru-RU" sz="2000" kern="1600" dirty="0">
+                <a:latin typeface="Times New Roman"/>
+                <a:ea typeface="Times New Roman"/>
+              </a:rPr>
+              <a:t>Среда моделирования – </a:t>
+            </a:r>
+            <a:r>
+              <a:rPr lang="en-US" sz="2000" kern="1600" dirty="0">
+                <a:latin typeface="Times New Roman"/>
+                <a:ea typeface="Times New Roman"/>
+              </a:rPr>
+              <a:t>Enterprise </a:t>
+            </a:r>
+            <a:r>
+              <a:rPr lang="en-US" sz="2000" kern="1600" dirty="0" smtClean="0">
+                <a:latin typeface="Times New Roman"/>
+                <a:ea typeface="Times New Roman"/>
+              </a:rPr>
+              <a:t>Architect</a:t>
+            </a:r>
+            <a:r>
+              <a:rPr lang="ru-RU" sz="2000" kern="1600" dirty="0" smtClean="0">
+                <a:latin typeface="Times New Roman"/>
+                <a:ea typeface="Times New Roman"/>
+              </a:rPr>
+              <a:t>, </a:t>
+            </a:r>
+            <a:r>
+              <a:rPr lang="en-US" sz="2000" kern="1600" dirty="0" smtClean="0">
+                <a:latin typeface="Times New Roman"/>
+                <a:ea typeface="Times New Roman"/>
+              </a:rPr>
+              <a:t>Visio</a:t>
+            </a:r>
+          </a:p>
+          <a:p>
+            <a:pPr marL="342900" lvl="0" indent="-342900" algn="just">
+              <a:lnSpc>
+                <a:spcPct val="150000"/>
+              </a:lnSpc>
+              <a:spcAft>
+                <a:spcPts val="1000"/>
+              </a:spcAft>
+              <a:buFont typeface="+mj-lt"/>
+              <a:buAutoNum type="arabicParenR"/>
+            </a:pPr>
+            <a:r>
+              <a:rPr lang="ru-RU" sz="2000" kern="1600" dirty="0" smtClean="0">
+                <a:latin typeface="Times New Roman"/>
+                <a:ea typeface="Times New Roman"/>
+              </a:rPr>
+              <a:t>Инструмент для тестирования </a:t>
+            </a:r>
+            <a:r>
+              <a:rPr lang="en-US" sz="2000" kern="1600" dirty="0" smtClean="0">
+                <a:latin typeface="Times New Roman"/>
+                <a:ea typeface="Times New Roman"/>
+              </a:rPr>
+              <a:t>API - Postmen</a:t>
+            </a:r>
+            <a:endParaRPr lang="ru-RU" sz="2000" dirty="0">
+              <a:effectLst/>
+              <a:latin typeface="Times New Roman"/>
+              <a:ea typeface="Times New Roman"/>
+            </a:endParaRPr>
+          </a:p>
+        </p:txBody>
+      </p:sp>
+      <p:sp>
+        <p:nvSpPr>
+          <p:cNvPr id="4" name="Номер слайда 3"/>
+          <p:cNvSpPr>
+            <a:spLocks noGrp="1"/>
+          </p:cNvSpPr>
+          <p:nvPr>
+            <p:ph type="sldNum" sz="quarter" idx="12"/>
+          </p:nvPr>
+        </p:nvSpPr>
+        <p:spPr/>
+        <p:txBody>
+          <a:bodyPr/>
+          <a:lstStyle/>
+          <a:p>
+            <a:fld id="{B19B0651-EE4F-4900-A07F-96A6BFA9D0F0}" type="slidenum">
+              <a:rPr lang="ru-RU" smtClean="0"/>
+              <a:t>14</a:t>
+            </a:fld>
+            <a:endParaRPr lang="ru-RU"/>
+          </a:p>
+        </p:txBody>
+      </p:sp>
+    </p:spTree>
+    <p:extLst>
+      <p:ext uri="{BB962C8B-B14F-4D97-AF65-F5344CB8AC3E}">
+        <p14:creationId xmlns:p14="http://schemas.microsoft.com/office/powerpoint/2010/main" val="549679184"/>
+      </p:ext>
+    </p:extLst>
+  </p:cSld>
+  <p:clrMapOvr>
+    <a:masterClrMapping/>
+  </p:clrMapOvr>
+  <p:timing>
+    <p:tnLst>
+      <p:par>
+        <p:cTn id="1" dur="indefinite" restart="never" nodeType="tmRoot"/>
+      </p:par>
+    </p:tnLst>
+  </p:timing>
+</p:sld>
+</file>
+
+<file path=ppt/slides/slide15.xml><?xml version="1.0" encoding="utf-8"?>
+<p:sld xmlns:a="http://schemas.openxmlformats.org/drawingml/2006/main" xmlns:r="http://schemas.openxmlformats.org/officeDocument/2006/relationships" xmlns:p="http://schemas.openxmlformats.org/presentationml/2006/main">
+  <p:cSld>
+    <p:spTree>
+      <p:nvGrpSpPr>
+        <p:cNvPr id="1" name=""/>
+        <p:cNvGrpSpPr/>
+        <p:nvPr/>
+      </p:nvGrpSpPr>
+      <p:grpSpPr>
+        <a:xfrm>
+          <a:off x="0" y="0"/>
+          <a:ext cx="0" cy="0"/>
+          <a:chOff x="0" y="0"/>
+          <a:chExt cx="0" cy="0"/>
+        </a:xfrm>
+      </p:grpSpPr>
+      <p:sp>
+        <p:nvSpPr>
+          <p:cNvPr id="2" name="Заголовок 1"/>
+          <p:cNvSpPr>
+            <a:spLocks noGrp="1"/>
+          </p:cNvSpPr>
+          <p:nvPr>
+            <p:ph type="title"/>
+          </p:nvPr>
+        </p:nvSpPr>
+        <p:spPr>
+          <a:xfrm>
+            <a:off x="601922" y="197768"/>
+            <a:ext cx="8229600" cy="1143000"/>
+          </a:xfrm>
+        </p:spPr>
+        <p:txBody>
+          <a:bodyPr/>
+          <a:lstStyle/>
+          <a:p>
+            <a:r>
+              <a:rPr lang="ru-RU" dirty="0" smtClean="0"/>
+              <a:t>Структура проекта</a:t>
+            </a:r>
+            <a:endParaRPr lang="ru-RU" dirty="0"/>
+          </a:p>
+        </p:txBody>
+      </p:sp>
+      <p:pic>
+        <p:nvPicPr>
+          <p:cNvPr id="2050" name="Picture 2"/>
+          <p:cNvPicPr>
+            <a:picLocks noChangeAspect="1" noChangeArrowheads="1"/>
+          </p:cNvPicPr>
+          <p:nvPr/>
+        </p:nvPicPr>
+        <p:blipFill>
+          <a:blip r:embed="rId2">
+            <a:extLst>
+              <a:ext uri="{28A0092B-C50C-407E-A947-70E740481C1C}">
+                <a14:useLocalDpi xmlns:a14="http://schemas.microsoft.com/office/drawing/2010/main" val="0"/>
+              </a:ext>
+            </a:extLst>
+          </a:blip>
+          <a:srcRect/>
+          <a:stretch>
+            <a:fillRect/>
+          </a:stretch>
+        </p:blipFill>
+        <p:spPr bwMode="auto">
+          <a:xfrm>
+            <a:off x="827583" y="1340768"/>
+            <a:ext cx="2684777" cy="4920779"/>
+          </a:xfrm>
+          <a:prstGeom prst="rect">
+            <a:avLst/>
+          </a:prstGeom>
+          <a:noFill/>
+          <a:ln>
+            <a:noFill/>
+          </a:ln>
+          <a:extLst>
+            <a:ext uri="{909E8E84-426E-40DD-AFC4-6F175D3DCCD1}">
+              <a14:hiddenFill xmlns:a14="http://schemas.microsoft.com/office/drawing/2010/main">
+                <a:solidFill>
+                  <a:schemeClr val="accent1"/>
+                </a:solidFill>
+              </a14:hiddenFill>
+            </a:ext>
+            <a:ext uri="{91240B29-F687-4F45-9708-019B960494DF}">
+              <a14:hiddenLine xmlns:a14="http://schemas.microsoft.com/office/drawing/2010/main" w="9525">
+                <a:solidFill>
+                  <a:schemeClr val="tx1"/>
+                </a:solidFill>
+                <a:miter lim="800000"/>
+                <a:headEnd/>
+                <a:tailEnd/>
+              </a14:hiddenLine>
+            </a:ext>
+          </a:extLst>
+        </p:spPr>
+      </p:pic>
+      <p:sp>
+        <p:nvSpPr>
+          <p:cNvPr id="3" name="Номер слайда 2"/>
+          <p:cNvSpPr>
+            <a:spLocks noGrp="1"/>
+          </p:cNvSpPr>
+          <p:nvPr>
+            <p:ph type="sldNum" sz="quarter" idx="12"/>
+          </p:nvPr>
+        </p:nvSpPr>
+        <p:spPr/>
+        <p:txBody>
+          <a:bodyPr/>
+          <a:lstStyle/>
+          <a:p>
+            <a:fld id="{B19B0651-EE4F-4900-A07F-96A6BFA9D0F0}" type="slidenum">
+              <a:rPr lang="ru-RU" smtClean="0"/>
+              <a:t>15</a:t>
+            </a:fld>
+            <a:endParaRPr lang="ru-RU"/>
+          </a:p>
+        </p:txBody>
+      </p:sp>
+      <p:pic>
+        <p:nvPicPr>
+          <p:cNvPr id="1026" name="Picture 2"/>
+          <p:cNvPicPr>
+            <a:picLocks noChangeAspect="1" noChangeArrowheads="1"/>
+          </p:cNvPicPr>
+          <p:nvPr/>
+        </p:nvPicPr>
+        <p:blipFill>
+          <a:blip r:embed="rId3">
+            <a:extLst>
+              <a:ext uri="{28A0092B-C50C-407E-A947-70E740481C1C}">
+                <a14:useLocalDpi xmlns:a14="http://schemas.microsoft.com/office/drawing/2010/main" val="0"/>
+              </a:ext>
+            </a:extLst>
+          </a:blip>
+          <a:srcRect/>
+          <a:stretch>
+            <a:fillRect/>
+          </a:stretch>
+        </p:blipFill>
+        <p:spPr bwMode="auto">
+          <a:xfrm>
+            <a:off x="3995936" y="2276872"/>
+            <a:ext cx="4811602" cy="3626340"/>
+          </a:xfrm>
+          <a:prstGeom prst="rect">
+            <a:avLst/>
+          </a:prstGeom>
+          <a:noFill/>
+          <a:ln>
+            <a:noFill/>
+          </a:ln>
+          <a:extLst>
+            <a:ext uri="{909E8E84-426E-40DD-AFC4-6F175D3DCCD1}">
+              <a14:hiddenFill xmlns:a14="http://schemas.microsoft.com/office/drawing/2010/main">
+                <a:solidFill>
+                  <a:schemeClr val="accent1"/>
+                </a:solidFill>
+              </a14:hiddenFill>
+            </a:ext>
+            <a:ext uri="{91240B29-F687-4F45-9708-019B960494DF}">
+              <a14:hiddenLine xmlns:a14="http://schemas.microsoft.com/office/drawing/2010/main" w="9525">
+                <a:solidFill>
+                  <a:schemeClr val="tx1"/>
+                </a:solidFill>
+                <a:miter lim="800000"/>
+                <a:headEnd/>
+                <a:tailEnd/>
+              </a14:hiddenLine>
+            </a:ext>
+          </a:extLst>
+        </p:spPr>
+      </p:pic>
+      <p:sp>
+        <p:nvSpPr>
+          <p:cNvPr id="4" name="TextBox 3"/>
+          <p:cNvSpPr txBox="1"/>
+          <p:nvPr/>
+        </p:nvSpPr>
+        <p:spPr>
+          <a:xfrm>
+            <a:off x="3779912" y="6525344"/>
+            <a:ext cx="184731" cy="369332"/>
+          </a:xfrm>
+          <a:prstGeom prst="rect">
+            <a:avLst/>
+          </a:prstGeom>
+          <a:noFill/>
+        </p:spPr>
+        <p:txBody>
+          <a:bodyPr wrap="none" rtlCol="0">
+            <a:spAutoFit/>
+          </a:bodyPr>
+          <a:lstStyle/>
+          <a:p>
+            <a:endParaRPr lang="ru-RU" dirty="0"/>
+          </a:p>
+        </p:txBody>
+      </p:sp>
+      <p:sp>
+        <p:nvSpPr>
+          <p:cNvPr id="5" name="TextBox 4"/>
+          <p:cNvSpPr txBox="1"/>
+          <p:nvPr/>
+        </p:nvSpPr>
+        <p:spPr>
+          <a:xfrm>
+            <a:off x="1403648" y="6340678"/>
+            <a:ext cx="1366080" cy="369332"/>
+          </a:xfrm>
+          <a:prstGeom prst="rect">
+            <a:avLst/>
+          </a:prstGeom>
+          <a:noFill/>
+        </p:spPr>
+        <p:txBody>
+          <a:bodyPr wrap="none" rtlCol="0">
+            <a:spAutoFit/>
+          </a:bodyPr>
+          <a:lstStyle/>
+          <a:p>
+            <a:r>
+              <a:rPr lang="en-US" dirty="0" smtClean="0"/>
+              <a:t>WEB-</a:t>
+            </a:r>
+            <a:r>
+              <a:rPr lang="ru-RU" dirty="0" smtClean="0"/>
+              <a:t>сервис</a:t>
+            </a:r>
+            <a:endParaRPr lang="ru-RU" dirty="0"/>
+          </a:p>
+        </p:txBody>
+      </p:sp>
+      <p:sp>
+        <p:nvSpPr>
+          <p:cNvPr id="6" name="TextBox 5"/>
+          <p:cNvSpPr txBox="1"/>
+          <p:nvPr/>
+        </p:nvSpPr>
+        <p:spPr>
+          <a:xfrm>
+            <a:off x="5796136" y="6261547"/>
+            <a:ext cx="1868717" cy="369332"/>
+          </a:xfrm>
+          <a:prstGeom prst="rect">
+            <a:avLst/>
+          </a:prstGeom>
+          <a:noFill/>
+        </p:spPr>
+        <p:txBody>
+          <a:bodyPr wrap="none" rtlCol="0">
+            <a:spAutoFit/>
+          </a:bodyPr>
+          <a:lstStyle/>
+          <a:p>
+            <a:r>
+              <a:rPr lang="ru-RU" dirty="0" smtClean="0"/>
+              <a:t>Клиентская часть</a:t>
+            </a:r>
+            <a:endParaRPr lang="ru-RU" dirty="0"/>
+          </a:p>
+        </p:txBody>
+      </p:sp>
+    </p:spTree>
+    <p:extLst>
+      <p:ext uri="{BB962C8B-B14F-4D97-AF65-F5344CB8AC3E}">
+        <p14:creationId xmlns:p14="http://schemas.microsoft.com/office/powerpoint/2010/main" val="1686963244"/>
+      </p:ext>
+    </p:extLst>
+  </p:cSld>
+  <p:clrMapOvr>
+    <a:masterClrMapping/>
+  </p:clrMapOvr>
+</p:sld>
+</file>
+
+<file path=ppt/slides/slide16.xml><?xml version="1.0" encoding="utf-8"?>
+<p:sld xmlns:a="http://schemas.openxmlformats.org/drawingml/2006/main" xmlns:r="http://schemas.openxmlformats.org/officeDocument/2006/relationships" xmlns:p="http://schemas.openxmlformats.org/presentationml/2006/main">
+  <p:cSld>
+    <p:spTree>
+      <p:nvGrpSpPr>
+        <p:cNvPr id="1" name=""/>
+        <p:cNvGrpSpPr/>
+        <p:nvPr/>
+      </p:nvGrpSpPr>
+      <p:grpSpPr>
+        <a:xfrm>
+          <a:off x="0" y="0"/>
+          <a:ext cx="0" cy="0"/>
+          <a:chOff x="0" y="0"/>
+          <a:chExt cx="0" cy="0"/>
+        </a:xfrm>
+      </p:grpSpPr>
+      <p:sp>
+        <p:nvSpPr>
+          <p:cNvPr id="2" name="Заголовок 1"/>
+          <p:cNvSpPr>
+            <a:spLocks noGrp="1"/>
+          </p:cNvSpPr>
+          <p:nvPr>
+            <p:ph type="title"/>
+          </p:nvPr>
+        </p:nvSpPr>
+        <p:spPr>
+          <a:xfrm>
+            <a:off x="437767" y="0"/>
+            <a:ext cx="8229600" cy="1143000"/>
+          </a:xfrm>
+        </p:spPr>
+        <p:txBody>
+          <a:bodyPr/>
+          <a:lstStyle/>
+          <a:p>
+            <a:r>
+              <a:rPr lang="ru-RU" dirty="0" smtClean="0"/>
+              <a:t>Тестирование</a:t>
+            </a:r>
+            <a:endParaRPr lang="ru-RU" dirty="0"/>
+          </a:p>
+        </p:txBody>
+      </p:sp>
+      <p:sp>
+        <p:nvSpPr>
+          <p:cNvPr id="3" name="Прямоугольник 2"/>
+          <p:cNvSpPr/>
+          <p:nvPr/>
+        </p:nvSpPr>
+        <p:spPr>
+          <a:xfrm>
+            <a:off x="611560" y="980728"/>
+            <a:ext cx="5598007" cy="3754874"/>
+          </a:xfrm>
+          <a:prstGeom prst="rect">
+            <a:avLst/>
+          </a:prstGeom>
+        </p:spPr>
+        <p:txBody>
+          <a:bodyPr wrap="none">
+            <a:spAutoFit/>
+          </a:bodyPr>
+          <a:lstStyle/>
+          <a:p>
+            <a:pPr marL="285750" indent="-285750">
+              <a:buFont typeface="Arial" panose="020B0604020202020204" pitchFamily="34" charset="0"/>
+              <a:buChar char="•"/>
+            </a:pPr>
+            <a:r>
+              <a:rPr lang="ru-RU" sz="2000" dirty="0" smtClean="0">
+                <a:latin typeface="Times New Roman" panose="02020603050405020304" pitchFamily="18" charset="0"/>
+                <a:cs typeface="Times New Roman" panose="02020603050405020304" pitchFamily="18" charset="0"/>
+              </a:rPr>
+              <a:t>Метод </a:t>
+            </a:r>
+            <a:r>
+              <a:rPr lang="ru-RU" sz="2000" dirty="0">
+                <a:latin typeface="Times New Roman" panose="02020603050405020304" pitchFamily="18" charset="0"/>
+                <a:cs typeface="Times New Roman" panose="02020603050405020304" pitchFamily="18" charset="0"/>
+              </a:rPr>
+              <a:t>функционального </a:t>
+            </a:r>
+            <a:r>
+              <a:rPr lang="ru-RU" sz="2000" dirty="0" smtClean="0">
+                <a:latin typeface="Times New Roman" panose="02020603050405020304" pitchFamily="18" charset="0"/>
+                <a:cs typeface="Times New Roman" panose="02020603050405020304" pitchFamily="18" charset="0"/>
+              </a:rPr>
+              <a:t>тестирования</a:t>
+            </a:r>
+            <a:endParaRPr lang="en-US" sz="2000" dirty="0" smtClean="0">
+              <a:latin typeface="Times New Roman" panose="02020603050405020304" pitchFamily="18" charset="0"/>
+              <a:cs typeface="Times New Roman" panose="02020603050405020304" pitchFamily="18" charset="0"/>
+            </a:endParaRPr>
+          </a:p>
+          <a:p>
+            <a:pPr marL="285750" indent="-285750">
+              <a:buFont typeface="Arial" panose="020B0604020202020204" pitchFamily="34" charset="0"/>
+              <a:buChar char="•"/>
+            </a:pPr>
+            <a:endParaRPr lang="ru-RU" sz="2000" dirty="0" smtClean="0">
+              <a:latin typeface="Times New Roman" panose="02020603050405020304" pitchFamily="18" charset="0"/>
+              <a:cs typeface="Times New Roman" panose="02020603050405020304" pitchFamily="18" charset="0"/>
+            </a:endParaRPr>
+          </a:p>
+          <a:p>
+            <a:pPr marL="285750" indent="-285750">
+              <a:buFont typeface="Arial" panose="020B0604020202020204" pitchFamily="34" charset="0"/>
+              <a:buChar char="•"/>
+            </a:pPr>
+            <a:r>
+              <a:rPr lang="ru-RU" sz="2000" dirty="0" smtClean="0">
+                <a:latin typeface="Times New Roman" panose="02020603050405020304" pitchFamily="18" charset="0"/>
+                <a:cs typeface="Times New Roman" panose="02020603050405020304" pitchFamily="18" charset="0"/>
+              </a:rPr>
+              <a:t>Тестирование интерфейса:</a:t>
+            </a:r>
+          </a:p>
+          <a:p>
+            <a:pPr marL="285750" lvl="0" indent="-285750">
+              <a:buFont typeface="Courier New" panose="02070309020205020404" pitchFamily="49" charset="0"/>
+              <a:buChar char="o"/>
+            </a:pPr>
+            <a:r>
+              <a:rPr lang="ru-RU" sz="2000" dirty="0" smtClean="0">
+                <a:latin typeface="Times New Roman" panose="02020603050405020304" pitchFamily="18" charset="0"/>
+                <a:cs typeface="Times New Roman" panose="02020603050405020304" pitchFamily="18" charset="0"/>
+              </a:rPr>
+              <a:t>  </a:t>
+            </a:r>
+            <a:r>
+              <a:rPr lang="en-US" sz="2000" dirty="0" err="1" smtClean="0">
+                <a:latin typeface="Times New Roman" panose="02020603050405020304" pitchFamily="18" charset="0"/>
+                <a:cs typeface="Times New Roman" panose="02020603050405020304" pitchFamily="18" charset="0"/>
+              </a:rPr>
+              <a:t>Sumsung</a:t>
+            </a:r>
+            <a:r>
+              <a:rPr lang="en-US" sz="2000" dirty="0" smtClean="0">
+                <a:latin typeface="Times New Roman" panose="02020603050405020304" pitchFamily="18" charset="0"/>
+                <a:cs typeface="Times New Roman" panose="02020603050405020304" pitchFamily="18" charset="0"/>
+              </a:rPr>
+              <a:t> </a:t>
+            </a:r>
+            <a:r>
+              <a:rPr lang="en-US" sz="2000" dirty="0">
+                <a:latin typeface="Times New Roman" panose="02020603050405020304" pitchFamily="18" charset="0"/>
+                <a:cs typeface="Times New Roman" panose="02020603050405020304" pitchFamily="18" charset="0"/>
+              </a:rPr>
+              <a:t>Galaxy S</a:t>
+            </a:r>
+            <a:r>
+              <a:rPr lang="ru-RU" sz="2000" dirty="0">
+                <a:latin typeface="Times New Roman" panose="02020603050405020304" pitchFamily="18" charset="0"/>
+                <a:cs typeface="Times New Roman" panose="02020603050405020304" pitchFamily="18" charset="0"/>
+              </a:rPr>
+              <a:t>8, экран 6.2 дюйма</a:t>
+            </a:r>
+          </a:p>
+          <a:p>
+            <a:pPr marL="285750" lvl="0" indent="-285750">
+              <a:buFont typeface="Courier New" panose="02070309020205020404" pitchFamily="49" charset="0"/>
+              <a:buChar char="o"/>
+            </a:pPr>
+            <a:r>
+              <a:rPr lang="ru-RU" sz="2000" dirty="0" smtClean="0">
+                <a:latin typeface="Times New Roman" panose="02020603050405020304" pitchFamily="18" charset="0"/>
+                <a:cs typeface="Times New Roman" panose="02020603050405020304" pitchFamily="18" charset="0"/>
+              </a:rPr>
+              <a:t>  </a:t>
+            </a:r>
+            <a:r>
+              <a:rPr lang="en-US" sz="2000" dirty="0" err="1" smtClean="0">
+                <a:latin typeface="Times New Roman" panose="02020603050405020304" pitchFamily="18" charset="0"/>
+                <a:cs typeface="Times New Roman" panose="02020603050405020304" pitchFamily="18" charset="0"/>
+              </a:rPr>
+              <a:t>Meizu</a:t>
+            </a:r>
+            <a:r>
+              <a:rPr lang="en-US" sz="2000" dirty="0" smtClean="0">
+                <a:latin typeface="Times New Roman" panose="02020603050405020304" pitchFamily="18" charset="0"/>
+                <a:cs typeface="Times New Roman" panose="02020603050405020304" pitchFamily="18" charset="0"/>
+              </a:rPr>
+              <a:t> </a:t>
+            </a:r>
+            <a:r>
+              <a:rPr lang="en-US" sz="2000" dirty="0">
+                <a:latin typeface="Times New Roman" panose="02020603050405020304" pitchFamily="18" charset="0"/>
+                <a:cs typeface="Times New Roman" panose="02020603050405020304" pitchFamily="18" charset="0"/>
+              </a:rPr>
+              <a:t>Pro</a:t>
+            </a:r>
+            <a:r>
+              <a:rPr lang="ru-RU" sz="2000" dirty="0">
+                <a:latin typeface="Times New Roman" panose="02020603050405020304" pitchFamily="18" charset="0"/>
+                <a:cs typeface="Times New Roman" panose="02020603050405020304" pitchFamily="18" charset="0"/>
+              </a:rPr>
+              <a:t> 7, экран 5.2 дюйма</a:t>
+            </a:r>
+          </a:p>
+          <a:p>
+            <a:pPr marL="285750" lvl="0" indent="-285750">
+              <a:buFont typeface="Courier New" panose="02070309020205020404" pitchFamily="49" charset="0"/>
+              <a:buChar char="o"/>
+            </a:pPr>
+            <a:r>
+              <a:rPr lang="ru-RU" sz="2000" dirty="0" smtClean="0">
+                <a:latin typeface="Times New Roman" panose="02020603050405020304" pitchFamily="18" charset="0"/>
+                <a:cs typeface="Times New Roman" panose="02020603050405020304" pitchFamily="18" charset="0"/>
+              </a:rPr>
+              <a:t>  </a:t>
+            </a:r>
+            <a:r>
+              <a:rPr lang="ru-RU" sz="2000" dirty="0" err="1" smtClean="0">
+                <a:latin typeface="Times New Roman" panose="02020603050405020304" pitchFamily="18" charset="0"/>
+                <a:cs typeface="Times New Roman" panose="02020603050405020304" pitchFamily="18" charset="0"/>
+              </a:rPr>
+              <a:t>Xiaomi</a:t>
+            </a:r>
+            <a:r>
+              <a:rPr lang="ru-RU" sz="2000" dirty="0" smtClean="0">
+                <a:latin typeface="Times New Roman" panose="02020603050405020304" pitchFamily="18" charset="0"/>
+                <a:cs typeface="Times New Roman" panose="02020603050405020304" pitchFamily="18" charset="0"/>
+              </a:rPr>
+              <a:t> </a:t>
+            </a:r>
+            <a:r>
+              <a:rPr lang="ru-RU" sz="2000" dirty="0" err="1">
+                <a:latin typeface="Times New Roman" panose="02020603050405020304" pitchFamily="18" charset="0"/>
+                <a:cs typeface="Times New Roman" panose="02020603050405020304" pitchFamily="18" charset="0"/>
+              </a:rPr>
+              <a:t>Redmi</a:t>
+            </a:r>
+            <a:r>
+              <a:rPr lang="ru-RU" sz="2000" dirty="0">
+                <a:latin typeface="Times New Roman" panose="02020603050405020304" pitchFamily="18" charset="0"/>
+                <a:cs typeface="Times New Roman" panose="02020603050405020304" pitchFamily="18" charset="0"/>
+              </a:rPr>
+              <a:t> 4X, экран 5 дюймов</a:t>
+            </a:r>
+          </a:p>
+          <a:p>
+            <a:pPr marL="285750" lvl="0" indent="-285750">
+              <a:buFont typeface="Courier New" panose="02070309020205020404" pitchFamily="49" charset="0"/>
+              <a:buChar char="o"/>
+            </a:pPr>
+            <a:r>
+              <a:rPr lang="ru-RU" sz="2000" dirty="0" smtClean="0">
+                <a:latin typeface="Times New Roman" panose="02020603050405020304" pitchFamily="18" charset="0"/>
+                <a:cs typeface="Times New Roman" panose="02020603050405020304" pitchFamily="18" charset="0"/>
+              </a:rPr>
+              <a:t>  </a:t>
+            </a:r>
+            <a:r>
+              <a:rPr lang="en-US" sz="2000" dirty="0" smtClean="0">
+                <a:latin typeface="Times New Roman" panose="02020603050405020304" pitchFamily="18" charset="0"/>
+                <a:cs typeface="Times New Roman" panose="02020603050405020304" pitchFamily="18" charset="0"/>
+              </a:rPr>
+              <a:t>Samsung </a:t>
+            </a:r>
+            <a:r>
+              <a:rPr lang="en-US" sz="2000" dirty="0">
+                <a:latin typeface="Times New Roman" panose="02020603050405020304" pitchFamily="18" charset="0"/>
+                <a:cs typeface="Times New Roman" panose="02020603050405020304" pitchFamily="18" charset="0"/>
+              </a:rPr>
+              <a:t>Galaxy Grand Prime, </a:t>
+            </a:r>
+            <a:r>
+              <a:rPr lang="ru-RU" sz="2000" dirty="0">
+                <a:latin typeface="Times New Roman" panose="02020603050405020304" pitchFamily="18" charset="0"/>
+                <a:cs typeface="Times New Roman" panose="02020603050405020304" pitchFamily="18" charset="0"/>
+              </a:rPr>
+              <a:t>экран</a:t>
+            </a:r>
+            <a:r>
+              <a:rPr lang="en-US" sz="2000" dirty="0">
+                <a:latin typeface="Times New Roman" panose="02020603050405020304" pitchFamily="18" charset="0"/>
+                <a:cs typeface="Times New Roman" panose="02020603050405020304" pitchFamily="18" charset="0"/>
+              </a:rPr>
+              <a:t> 5 </a:t>
+            </a:r>
+            <a:r>
+              <a:rPr lang="ru-RU" sz="2000" dirty="0">
+                <a:latin typeface="Times New Roman" panose="02020603050405020304" pitchFamily="18" charset="0"/>
+                <a:cs typeface="Times New Roman" panose="02020603050405020304" pitchFamily="18" charset="0"/>
+              </a:rPr>
+              <a:t>дюймов</a:t>
+            </a:r>
+          </a:p>
+          <a:p>
+            <a:pPr marL="285750" lvl="0" indent="-285750">
+              <a:buFont typeface="Courier New" panose="02070309020205020404" pitchFamily="49" charset="0"/>
+              <a:buChar char="o"/>
+            </a:pPr>
+            <a:r>
+              <a:rPr lang="ru-RU" sz="2000" dirty="0" smtClean="0">
+                <a:latin typeface="Times New Roman" panose="02020603050405020304" pitchFamily="18" charset="0"/>
+                <a:cs typeface="Times New Roman" panose="02020603050405020304" pitchFamily="18" charset="0"/>
+              </a:rPr>
+              <a:t>  </a:t>
+            </a:r>
+            <a:r>
+              <a:rPr lang="en-US" sz="2000" dirty="0" smtClean="0">
+                <a:latin typeface="Times New Roman" panose="02020603050405020304" pitchFamily="18" charset="0"/>
+                <a:cs typeface="Times New Roman" panose="02020603050405020304" pitchFamily="18" charset="0"/>
+              </a:rPr>
+              <a:t>Sony </a:t>
+            </a:r>
+            <a:r>
+              <a:rPr lang="en-US" sz="2000" dirty="0" err="1">
+                <a:latin typeface="Times New Roman" panose="02020603050405020304" pitchFamily="18" charset="0"/>
+                <a:cs typeface="Times New Roman" panose="02020603050405020304" pitchFamily="18" charset="0"/>
+              </a:rPr>
+              <a:t>Xperia</a:t>
+            </a:r>
+            <a:r>
+              <a:rPr lang="en-US" sz="2000" dirty="0">
+                <a:latin typeface="Times New Roman" panose="02020603050405020304" pitchFamily="18" charset="0"/>
+                <a:cs typeface="Times New Roman" panose="02020603050405020304" pitchFamily="18" charset="0"/>
+              </a:rPr>
+              <a:t> S, </a:t>
+            </a:r>
+            <a:r>
+              <a:rPr lang="ru-RU" sz="2000" dirty="0">
+                <a:latin typeface="Times New Roman" panose="02020603050405020304" pitchFamily="18" charset="0"/>
+                <a:cs typeface="Times New Roman" panose="02020603050405020304" pitchFamily="18" charset="0"/>
+              </a:rPr>
+              <a:t>экран </a:t>
+            </a:r>
+            <a:r>
+              <a:rPr lang="en-US" sz="2000" dirty="0">
+                <a:latin typeface="Times New Roman" panose="02020603050405020304" pitchFamily="18" charset="0"/>
+                <a:cs typeface="Times New Roman" panose="02020603050405020304" pitchFamily="18" charset="0"/>
+              </a:rPr>
+              <a:t>4.3 </a:t>
+            </a:r>
+            <a:r>
+              <a:rPr lang="ru-RU" sz="2000" dirty="0" smtClean="0">
+                <a:latin typeface="Times New Roman" panose="02020603050405020304" pitchFamily="18" charset="0"/>
+                <a:cs typeface="Times New Roman" panose="02020603050405020304" pitchFamily="18" charset="0"/>
+              </a:rPr>
+              <a:t>дюйма</a:t>
+            </a:r>
+            <a:endParaRPr lang="en-US" sz="2000" dirty="0" smtClean="0">
+              <a:latin typeface="Times New Roman" panose="02020603050405020304" pitchFamily="18" charset="0"/>
+              <a:cs typeface="Times New Roman" panose="02020603050405020304" pitchFamily="18" charset="0"/>
+            </a:endParaRPr>
+          </a:p>
+          <a:p>
+            <a:pPr marL="285750" lvl="0" indent="-285750">
+              <a:buFont typeface="Courier New" panose="02070309020205020404" pitchFamily="49" charset="0"/>
+              <a:buChar char="o"/>
+            </a:pPr>
+            <a:endParaRPr lang="ru-RU" sz="2000" dirty="0" smtClean="0">
+              <a:latin typeface="Times New Roman" panose="02020603050405020304" pitchFamily="18" charset="0"/>
+              <a:cs typeface="Times New Roman" panose="02020603050405020304" pitchFamily="18" charset="0"/>
+            </a:endParaRPr>
+          </a:p>
+          <a:p>
+            <a:pPr marL="285750" lvl="0" indent="-285750">
+              <a:buFont typeface="Arial" panose="020B0604020202020204" pitchFamily="34" charset="0"/>
+              <a:buChar char="•"/>
+            </a:pPr>
+            <a:r>
+              <a:rPr lang="ru-RU" sz="2000" dirty="0" smtClean="0">
+                <a:latin typeface="Times New Roman" panose="02020603050405020304" pitchFamily="18" charset="0"/>
+                <a:cs typeface="Times New Roman" panose="02020603050405020304" pitchFamily="18" charset="0"/>
+              </a:rPr>
+              <a:t>Тестирование </a:t>
+            </a:r>
+          </a:p>
+          <a:p>
+            <a:pPr marL="285750" lvl="0" indent="-285750">
+              <a:buFont typeface="Arial" panose="020B0604020202020204" pitchFamily="34" charset="0"/>
+              <a:buChar char="•"/>
+            </a:pPr>
+            <a:r>
+              <a:rPr lang="en-US" sz="2000" dirty="0" smtClean="0">
+                <a:latin typeface="Times New Roman" panose="02020603050405020304" pitchFamily="18" charset="0"/>
+                <a:cs typeface="Times New Roman" panose="02020603050405020304" pitchFamily="18" charset="0"/>
+              </a:rPr>
+              <a:t>API</a:t>
+            </a:r>
+            <a:endParaRPr lang="ru-RU" sz="2000" dirty="0">
+              <a:latin typeface="Times New Roman" panose="02020603050405020304" pitchFamily="18" charset="0"/>
+              <a:cs typeface="Times New Roman" panose="02020603050405020304" pitchFamily="18" charset="0"/>
+            </a:endParaRPr>
+          </a:p>
+          <a:p>
+            <a:endParaRPr lang="ru-RU" dirty="0"/>
+          </a:p>
+        </p:txBody>
+      </p:sp>
+      <p:pic>
+        <p:nvPicPr>
+          <p:cNvPr id="4" name="Рисунок 3"/>
+          <p:cNvPicPr/>
+          <p:nvPr/>
+        </p:nvPicPr>
+        <p:blipFill rotWithShape="1">
+          <a:blip r:embed="rId2"/>
+          <a:srcRect r="8049"/>
+          <a:stretch/>
+        </p:blipFill>
+        <p:spPr bwMode="auto">
+          <a:xfrm>
+            <a:off x="2771800" y="3861048"/>
+            <a:ext cx="6192688" cy="2794377"/>
+          </a:xfrm>
+          <a:prstGeom prst="rect">
+            <a:avLst/>
+          </a:prstGeom>
+          <a:ln>
+            <a:noFill/>
+          </a:ln>
+          <a:extLst>
+            <a:ext uri="{53640926-AAD7-44D8-BBD7-CCE9431645EC}">
+              <a14:shadowObscured xmlns:a14="http://schemas.microsoft.com/office/drawing/2010/main"/>
+            </a:ext>
+          </a:extLst>
+        </p:spPr>
+      </p:pic>
+      <p:sp>
+        <p:nvSpPr>
+          <p:cNvPr id="5" name="Номер слайда 4"/>
+          <p:cNvSpPr>
+            <a:spLocks noGrp="1"/>
+          </p:cNvSpPr>
+          <p:nvPr>
+            <p:ph type="sldNum" sz="quarter" idx="12"/>
+          </p:nvPr>
+        </p:nvSpPr>
+        <p:spPr/>
+        <p:txBody>
+          <a:bodyPr/>
+          <a:lstStyle/>
+          <a:p>
+            <a:fld id="{B19B0651-EE4F-4900-A07F-96A6BFA9D0F0}" type="slidenum">
+              <a:rPr lang="ru-RU" smtClean="0"/>
+              <a:t>16</a:t>
+            </a:fld>
+            <a:endParaRPr lang="ru-RU"/>
+          </a:p>
+        </p:txBody>
+      </p:sp>
+    </p:spTree>
+    <p:extLst>
+      <p:ext uri="{BB962C8B-B14F-4D97-AF65-F5344CB8AC3E}">
+        <p14:creationId xmlns:p14="http://schemas.microsoft.com/office/powerpoint/2010/main" val="3594374033"/>
+      </p:ext>
+    </p:extLst>
+  </p:cSld>
+  <p:clrMapOvr>
+    <a:masterClrMapping/>
+  </p:clrMapOvr>
+  <p:timing>
+    <p:tnLst>
+      <p:par>
+        <p:cTn id="1" dur="indefinite" restart="never" nodeType="tmRoot"/>
+      </p:par>
+    </p:tnLst>
+  </p:timing>
+</p:sld>
+</file>
+
+<file path=ppt/slides/slide17.xml><?xml version="1.0" encoding="utf-8"?>
+<p:sld xmlns:a="http://schemas.openxmlformats.org/drawingml/2006/main" xmlns:r="http://schemas.openxmlformats.org/officeDocument/2006/relationships" xmlns:p="http://schemas.openxmlformats.org/presentationml/2006/main">
+  <p:cSld>
+    <p:spTree>
+      <p:nvGrpSpPr>
+        <p:cNvPr id="1" name=""/>
+        <p:cNvGrpSpPr/>
+        <p:nvPr/>
+      </p:nvGrpSpPr>
+      <p:grpSpPr>
+        <a:xfrm>
+          <a:off x="0" y="0"/>
+          <a:ext cx="0" cy="0"/>
+          <a:chOff x="0" y="0"/>
+          <a:chExt cx="0" cy="0"/>
+        </a:xfrm>
+      </p:grpSpPr>
+      <p:sp>
+        <p:nvSpPr>
+          <p:cNvPr id="2" name="Заголовок 1"/>
+          <p:cNvSpPr>
+            <a:spLocks noGrp="1"/>
+          </p:cNvSpPr>
+          <p:nvPr>
+            <p:ph type="title"/>
+          </p:nvPr>
+        </p:nvSpPr>
+        <p:spPr/>
+        <p:txBody>
+          <a:bodyPr>
+            <a:normAutofit fontScale="90000"/>
+          </a:bodyPr>
+          <a:lstStyle/>
+          <a:p>
+            <a:r>
+              <a:rPr lang="ru-RU" dirty="0" smtClean="0"/>
+              <a:t>Организация управления проектом</a:t>
+            </a:r>
+            <a:endParaRPr lang="ru-RU" dirty="0"/>
+          </a:p>
+        </p:txBody>
+      </p:sp>
+      <p:pic>
+        <p:nvPicPr>
+          <p:cNvPr id="3074" name="Picture 2" descr="Gantt Chart"/>
+          <p:cNvPicPr>
+            <a:picLocks noChangeAspect="1" noChangeArrowheads="1"/>
+          </p:cNvPicPr>
+          <p:nvPr/>
+        </p:nvPicPr>
+        <p:blipFill>
+          <a:blip r:embed="rId2">
+            <a:extLst>
+              <a:ext uri="{28A0092B-C50C-407E-A947-70E740481C1C}">
+                <a14:useLocalDpi xmlns:a14="http://schemas.microsoft.com/office/drawing/2010/main" val="0"/>
+              </a:ext>
+            </a:extLst>
+          </a:blip>
+          <a:srcRect/>
+          <a:stretch>
+            <a:fillRect/>
+          </a:stretch>
+        </p:blipFill>
+        <p:spPr bwMode="auto">
+          <a:xfrm>
+            <a:off x="1115616" y="2085071"/>
+            <a:ext cx="6984776" cy="4591061"/>
+          </a:xfrm>
+          <a:prstGeom prst="rect">
+            <a:avLst/>
+          </a:prstGeom>
+          <a:noFill/>
+          <a:ln>
+            <a:noFill/>
+          </a:ln>
+          <a:extLst>
+            <a:ext uri="{909E8E84-426E-40DD-AFC4-6F175D3DCCD1}">
+              <a14:hiddenFill xmlns:a14="http://schemas.microsoft.com/office/drawing/2010/main">
+                <a:solidFill>
+                  <a:srgbClr val="FFFFFF"/>
+                </a:solidFill>
+              </a14:hiddenFill>
+            </a:ext>
+            <a:ext uri="{91240B29-F687-4F45-9708-019B960494DF}">
+              <a14:hiddenLine xmlns:a14="http://schemas.microsoft.com/office/drawing/2010/main" w="9525">
+                <a:solidFill>
+                  <a:srgbClr val="000000"/>
+                </a:solidFill>
+                <a:miter lim="800000"/>
+                <a:headEnd/>
+                <a:tailEnd/>
+              </a14:hiddenLine>
+            </a:ext>
+          </a:extLst>
+        </p:spPr>
+      </p:pic>
+      <p:sp>
+        <p:nvSpPr>
+          <p:cNvPr id="3" name="Прямоугольник 2"/>
+          <p:cNvSpPr/>
+          <p:nvPr/>
+        </p:nvSpPr>
+        <p:spPr>
+          <a:xfrm>
+            <a:off x="395536" y="1124744"/>
+            <a:ext cx="6604551" cy="960328"/>
+          </a:xfrm>
+          <a:prstGeom prst="rect">
+            <a:avLst/>
+          </a:prstGeom>
+        </p:spPr>
+        <p:txBody>
+          <a:bodyPr wrap="square">
+            <a:spAutoFit/>
+          </a:bodyPr>
+          <a:lstStyle/>
+          <a:p>
+            <a:pPr>
+              <a:lnSpc>
+                <a:spcPct val="150000"/>
+              </a:lnSpc>
+            </a:pPr>
+            <a:r>
+              <a:rPr lang="ru-RU" sz="2000" dirty="0">
+                <a:latin typeface="Times New Roman" panose="02020603050405020304" pitchFamily="18" charset="0"/>
+                <a:cs typeface="Times New Roman" panose="02020603050405020304" pitchFamily="18" charset="0"/>
+              </a:rPr>
+              <a:t>Родионова Анастасия </a:t>
+            </a:r>
+            <a:r>
+              <a:rPr lang="ru-RU" sz="2000" dirty="0" smtClean="0">
+                <a:latin typeface="Times New Roman" panose="02020603050405020304" pitchFamily="18" charset="0"/>
+                <a:cs typeface="Times New Roman" panose="02020603050405020304" pitchFamily="18" charset="0"/>
+              </a:rPr>
+              <a:t>–</a:t>
+            </a:r>
+            <a:r>
+              <a:rPr lang="en-US" sz="2000" dirty="0" smtClean="0">
+                <a:latin typeface="Times New Roman" panose="02020603050405020304" pitchFamily="18" charset="0"/>
+                <a:cs typeface="Times New Roman" panose="02020603050405020304" pitchFamily="18" charset="0"/>
+              </a:rPr>
+              <a:t> Back-end </a:t>
+            </a:r>
+            <a:r>
+              <a:rPr lang="ru-RU" sz="2000" dirty="0" smtClean="0">
+                <a:latin typeface="Times New Roman" panose="02020603050405020304" pitchFamily="18" charset="0"/>
+                <a:cs typeface="Times New Roman" panose="02020603050405020304" pitchFamily="18" charset="0"/>
+              </a:rPr>
+              <a:t>разработчик</a:t>
+            </a:r>
+            <a:endParaRPr lang="ru-RU" sz="2000" dirty="0">
+              <a:latin typeface="Times New Roman" panose="02020603050405020304" pitchFamily="18" charset="0"/>
+              <a:cs typeface="Times New Roman" panose="02020603050405020304" pitchFamily="18" charset="0"/>
+            </a:endParaRPr>
+          </a:p>
+          <a:p>
+            <a:pPr>
+              <a:lnSpc>
+                <a:spcPct val="150000"/>
+              </a:lnSpc>
+            </a:pPr>
+            <a:r>
+              <a:rPr lang="ru-RU" sz="2000" dirty="0" err="1">
+                <a:latin typeface="Times New Roman" panose="02020603050405020304" pitchFamily="18" charset="0"/>
+                <a:cs typeface="Times New Roman" panose="02020603050405020304" pitchFamily="18" charset="0"/>
+              </a:rPr>
+              <a:t>Ханова</a:t>
+            </a:r>
+            <a:r>
+              <a:rPr lang="ru-RU" sz="2000" dirty="0">
+                <a:latin typeface="Times New Roman" panose="02020603050405020304" pitchFamily="18" charset="0"/>
+                <a:cs typeface="Times New Roman" panose="02020603050405020304" pitchFamily="18" charset="0"/>
+              </a:rPr>
+              <a:t> Анастасия - </a:t>
+            </a:r>
+            <a:r>
+              <a:rPr lang="ru-RU" sz="2000" dirty="0" err="1">
+                <a:latin typeface="Times New Roman" panose="02020603050405020304" pitchFamily="18" charset="0"/>
+                <a:cs typeface="Times New Roman" panose="02020603050405020304" pitchFamily="18" charset="0"/>
+              </a:rPr>
+              <a:t>Front-end</a:t>
+            </a:r>
+            <a:r>
+              <a:rPr lang="ru-RU" sz="2000" dirty="0">
+                <a:latin typeface="Times New Roman" panose="02020603050405020304" pitchFamily="18" charset="0"/>
+                <a:cs typeface="Times New Roman" panose="02020603050405020304" pitchFamily="18" charset="0"/>
+              </a:rPr>
+              <a:t> разработчик</a:t>
+            </a:r>
+          </a:p>
+        </p:txBody>
+      </p:sp>
+      <p:sp>
+        <p:nvSpPr>
+          <p:cNvPr id="4" name="Номер слайда 3"/>
+          <p:cNvSpPr>
+            <a:spLocks noGrp="1"/>
+          </p:cNvSpPr>
+          <p:nvPr>
+            <p:ph type="sldNum" sz="quarter" idx="12"/>
+          </p:nvPr>
+        </p:nvSpPr>
+        <p:spPr/>
+        <p:txBody>
+          <a:bodyPr/>
+          <a:lstStyle/>
+          <a:p>
+            <a:fld id="{B19B0651-EE4F-4900-A07F-96A6BFA9D0F0}" type="slidenum">
+              <a:rPr lang="ru-RU" smtClean="0"/>
+              <a:t>17</a:t>
+            </a:fld>
+            <a:endParaRPr lang="ru-RU"/>
+          </a:p>
+        </p:txBody>
+      </p:sp>
+    </p:spTree>
+    <p:extLst>
+      <p:ext uri="{BB962C8B-B14F-4D97-AF65-F5344CB8AC3E}">
+        <p14:creationId xmlns:p14="http://schemas.microsoft.com/office/powerpoint/2010/main" val="310888506"/>
+      </p:ext>
+    </p:extLst>
+  </p:cSld>
+  <p:clrMapOvr>
+    <a:masterClrMapping/>
+  </p:clrMapOvr>
+  <p:timing>
+    <p:tnLst>
+      <p:par>
+        <p:cTn id="1" dur="indefinite" restart="never" nodeType="tmRoot"/>
+      </p:par>
+    </p:tnLst>
+  </p:timing>
+</p:sld>
+</file>
+
+<file path=ppt/slides/slide18.xml><?xml version="1.0" encoding="utf-8"?>
+<p:sld xmlns:a="http://schemas.openxmlformats.org/drawingml/2006/main" xmlns:r="http://schemas.openxmlformats.org/officeDocument/2006/relationships" xmlns:p="http://schemas.openxmlformats.org/presentationml/2006/main">
+  <p:cSld>
+    <p:spTree>
+      <p:nvGrpSpPr>
+        <p:cNvPr id="1" name=""/>
+        <p:cNvGrpSpPr/>
+        <p:nvPr/>
+      </p:nvGrpSpPr>
+      <p:grpSpPr>
+        <a:xfrm>
+          <a:off x="0" y="0"/>
+          <a:ext cx="0" cy="0"/>
+          <a:chOff x="0" y="0"/>
+          <a:chExt cx="0" cy="0"/>
+        </a:xfrm>
+      </p:grpSpPr>
+      <p:sp>
+        <p:nvSpPr>
+          <p:cNvPr id="2" name="Заголовок 1"/>
+          <p:cNvSpPr>
+            <a:spLocks noGrp="1"/>
+          </p:cNvSpPr>
+          <p:nvPr>
+            <p:ph type="title"/>
+          </p:nvPr>
+        </p:nvSpPr>
+        <p:spPr/>
+        <p:txBody>
+          <a:bodyPr/>
+          <a:lstStyle/>
+          <a:p>
+            <a:r>
+              <a:rPr lang="ru-RU" dirty="0" smtClean="0"/>
+              <a:t>Заключение</a:t>
+            </a:r>
+            <a:endParaRPr lang="ru-RU" dirty="0"/>
+          </a:p>
+        </p:txBody>
+      </p:sp>
+      <p:sp>
+        <p:nvSpPr>
+          <p:cNvPr id="4" name="Прямоугольник 3"/>
+          <p:cNvSpPr/>
+          <p:nvPr/>
+        </p:nvSpPr>
+        <p:spPr>
+          <a:xfrm>
+            <a:off x="611560" y="1268760"/>
+            <a:ext cx="8064896" cy="4867999"/>
+          </a:xfrm>
+          <a:prstGeom prst="rect">
+            <a:avLst/>
+          </a:prstGeom>
+        </p:spPr>
+        <p:txBody>
+          <a:bodyPr wrap="square">
+            <a:spAutoFit/>
+          </a:bodyPr>
+          <a:lstStyle/>
+          <a:p>
+            <a:pPr indent="540385" algn="just">
+              <a:lnSpc>
+                <a:spcPct val="150000"/>
+              </a:lnSpc>
+              <a:spcAft>
+                <a:spcPts val="800"/>
+              </a:spcAft>
+            </a:pPr>
+            <a:r>
+              <a:rPr lang="ru-RU" dirty="0">
+                <a:latin typeface="Times New Roman"/>
+                <a:ea typeface="Calibri"/>
+                <a:cs typeface="Times New Roman"/>
+              </a:rPr>
+              <a:t>В ходе работы было реализовано мобильное приложение для удобного прохождения тестов по электробезопасности. Была достигнута главная цель – создать приложение, которое будет оценивать уровень знаний у проходящего тест.</a:t>
+            </a:r>
+            <a:endParaRPr lang="ru-RU" sz="1400" dirty="0">
+              <a:ea typeface="Calibri"/>
+              <a:cs typeface="Times New Roman"/>
+            </a:endParaRPr>
+          </a:p>
+          <a:p>
+            <a:pPr indent="540385" algn="just">
+              <a:lnSpc>
+                <a:spcPct val="150000"/>
+              </a:lnSpc>
+              <a:spcAft>
+                <a:spcPts val="800"/>
+              </a:spcAft>
+            </a:pPr>
+            <a:r>
+              <a:rPr lang="ru-RU" dirty="0">
+                <a:latin typeface="Times New Roman"/>
+                <a:ea typeface="Calibri"/>
+                <a:cs typeface="Times New Roman"/>
+              </a:rPr>
+              <a:t>В приложении было реализовано:</a:t>
+            </a:r>
+            <a:endParaRPr lang="ru-RU" sz="1400" dirty="0">
+              <a:ea typeface="Calibri"/>
+              <a:cs typeface="Times New Roman"/>
+            </a:endParaRPr>
+          </a:p>
+          <a:p>
+            <a:pPr marL="342900" lvl="0" indent="-342900" algn="just">
+              <a:lnSpc>
+                <a:spcPct val="150000"/>
+              </a:lnSpc>
+              <a:spcAft>
+                <a:spcPts val="0"/>
+              </a:spcAft>
+              <a:buFont typeface="Symbol"/>
+              <a:buChar char=""/>
+            </a:pPr>
+            <a:r>
+              <a:rPr lang="ru-RU" dirty="0">
+                <a:latin typeface="Times New Roman"/>
+                <a:ea typeface="Times New Roman"/>
+              </a:rPr>
+              <a:t>Регистрация и авторизация</a:t>
+            </a:r>
+            <a:endParaRPr lang="ru-RU" sz="1600" dirty="0">
+              <a:latin typeface="Times New Roman"/>
+              <a:ea typeface="Times New Roman"/>
+            </a:endParaRPr>
+          </a:p>
+          <a:p>
+            <a:pPr marL="342900" lvl="0" indent="-342900" algn="just">
+              <a:lnSpc>
+                <a:spcPct val="150000"/>
+              </a:lnSpc>
+              <a:spcAft>
+                <a:spcPts val="0"/>
+              </a:spcAft>
+              <a:buFont typeface="Symbol"/>
+              <a:buChar char=""/>
+            </a:pPr>
+            <a:r>
+              <a:rPr lang="ru-RU" dirty="0">
+                <a:latin typeface="Times New Roman"/>
+                <a:ea typeface="Times New Roman"/>
+              </a:rPr>
+              <a:t>Просмотр и редактирование личных данных</a:t>
+            </a:r>
+            <a:endParaRPr lang="ru-RU" sz="1600" dirty="0">
+              <a:latin typeface="Times New Roman"/>
+              <a:ea typeface="Times New Roman"/>
+            </a:endParaRPr>
+          </a:p>
+          <a:p>
+            <a:pPr marL="342900" lvl="0" indent="-342900" algn="just">
+              <a:lnSpc>
+                <a:spcPct val="150000"/>
+              </a:lnSpc>
+              <a:spcAft>
+                <a:spcPts val="0"/>
+              </a:spcAft>
+              <a:buFont typeface="Symbol"/>
+              <a:buChar char=""/>
+            </a:pPr>
+            <a:r>
+              <a:rPr lang="ru-RU" dirty="0">
+                <a:latin typeface="Times New Roman"/>
+                <a:ea typeface="Times New Roman"/>
+              </a:rPr>
+              <a:t>Возможность прохождения теста в ограниченное количество времени (30 минут)</a:t>
+            </a:r>
+            <a:endParaRPr lang="ru-RU" sz="1600" dirty="0">
+              <a:latin typeface="Times New Roman"/>
+              <a:ea typeface="Times New Roman"/>
+            </a:endParaRPr>
+          </a:p>
+          <a:p>
+            <a:pPr marL="342900" lvl="0" indent="-342900" algn="just">
+              <a:lnSpc>
+                <a:spcPct val="150000"/>
+              </a:lnSpc>
+              <a:spcAft>
+                <a:spcPts val="0"/>
+              </a:spcAft>
+              <a:buFont typeface="Symbol"/>
+              <a:buChar char=""/>
+            </a:pPr>
+            <a:r>
+              <a:rPr lang="ru-RU" dirty="0">
+                <a:latin typeface="Times New Roman"/>
+                <a:ea typeface="Times New Roman"/>
+              </a:rPr>
+              <a:t>Просмотр результата завершенного текущего теста</a:t>
+            </a:r>
+            <a:endParaRPr lang="ru-RU" sz="1600" dirty="0">
+              <a:latin typeface="Times New Roman"/>
+              <a:ea typeface="Times New Roman"/>
+            </a:endParaRPr>
+          </a:p>
+          <a:p>
+            <a:pPr marL="342900" lvl="0" indent="-342900" algn="just">
+              <a:lnSpc>
+                <a:spcPct val="150000"/>
+              </a:lnSpc>
+              <a:spcAft>
+                <a:spcPts val="1000"/>
+              </a:spcAft>
+              <a:buFont typeface="Symbol"/>
+              <a:buChar char=""/>
+            </a:pPr>
+            <a:r>
+              <a:rPr lang="ru-RU" dirty="0">
+                <a:latin typeface="Times New Roman"/>
+                <a:ea typeface="Times New Roman"/>
+              </a:rPr>
+              <a:t>Просмотр результатов прохождения теста за все время</a:t>
+            </a:r>
+            <a:endParaRPr lang="ru-RU" sz="1600" dirty="0">
+              <a:effectLst/>
+              <a:latin typeface="Times New Roman"/>
+              <a:ea typeface="Times New Roman"/>
+            </a:endParaRPr>
+          </a:p>
+        </p:txBody>
+      </p:sp>
+      <p:sp>
+        <p:nvSpPr>
+          <p:cNvPr id="5" name="Номер слайда 4"/>
+          <p:cNvSpPr>
+            <a:spLocks noGrp="1"/>
+          </p:cNvSpPr>
+          <p:nvPr>
+            <p:ph type="sldNum" sz="quarter" idx="12"/>
+          </p:nvPr>
+        </p:nvSpPr>
+        <p:spPr/>
+        <p:txBody>
+          <a:bodyPr/>
+          <a:lstStyle/>
+          <a:p>
+            <a:fld id="{B19B0651-EE4F-4900-A07F-96A6BFA9D0F0}" type="slidenum">
+              <a:rPr lang="ru-RU" smtClean="0"/>
+              <a:t>18</a:t>
+            </a:fld>
+            <a:endParaRPr lang="ru-RU"/>
+          </a:p>
+        </p:txBody>
+      </p:sp>
+    </p:spTree>
+    <p:extLst>
+      <p:ext uri="{BB962C8B-B14F-4D97-AF65-F5344CB8AC3E}">
+        <p14:creationId xmlns:p14="http://schemas.microsoft.com/office/powerpoint/2010/main" val="1125565864"/>
+      </p:ext>
+    </p:extLst>
+  </p:cSld>
+  <p:clrMapOvr>
+    <a:masterClrMapping/>
+  </p:clrMapOvr>
+  <p:timing>
+    <p:tnLst>
+      <p:par>
+        <p:cTn id="1" dur="indefinite" restart="never" nodeType="tmRoot"/>
+      </p:par>
+    </p:tnLst>
+  </p:timing>
 </p:sld>
 </file>
 
@@ -3122,15 +6153,329 @@
           <a:p>
             <a:r>
               <a:rPr lang="ru-RU" dirty="0" smtClean="0"/>
+              <a:t>Цель</a:t>
+            </a:r>
+            <a:endParaRPr lang="ru-RU" dirty="0"/>
+          </a:p>
+        </p:txBody>
+      </p:sp>
+      <p:sp>
+        <p:nvSpPr>
+          <p:cNvPr id="3" name="Прямоугольник 2"/>
+          <p:cNvSpPr/>
+          <p:nvPr/>
+        </p:nvSpPr>
+        <p:spPr>
+          <a:xfrm>
+            <a:off x="621792" y="1628507"/>
+            <a:ext cx="8126672" cy="2677656"/>
+          </a:xfrm>
+          <a:prstGeom prst="rect">
+            <a:avLst/>
+          </a:prstGeom>
+        </p:spPr>
+        <p:txBody>
+          <a:bodyPr wrap="square">
+            <a:spAutoFit/>
+          </a:bodyPr>
+          <a:lstStyle/>
+          <a:p>
+            <a:pPr marL="342900" indent="-342900" algn="just">
+              <a:buFont typeface="Arial" panose="020B0604020202020204" pitchFamily="34" charset="0"/>
+              <a:buChar char="•"/>
+            </a:pPr>
+            <a:r>
+              <a:rPr lang="ru-RU" sz="2400" dirty="0"/>
+              <a:t>Целью данной работы является разработка мобильного приложения, помогающего людям определить уровень своих знаний по технике </a:t>
+            </a:r>
+            <a:r>
+              <a:rPr lang="ru-RU" sz="2400" dirty="0" smtClean="0"/>
+              <a:t>электробезопасности</a:t>
+            </a:r>
+            <a:r>
+              <a:rPr lang="ru-RU" sz="2400" dirty="0"/>
+              <a:t>. </a:t>
+            </a:r>
+            <a:endParaRPr lang="ru-RU" sz="2400" dirty="0" smtClean="0"/>
+          </a:p>
+          <a:p>
+            <a:pPr marL="342900" indent="-342900" algn="just">
+              <a:buFont typeface="Arial" panose="020B0604020202020204" pitchFamily="34" charset="0"/>
+              <a:buChar char="•"/>
+            </a:pPr>
+            <a:endParaRPr lang="ru-RU" sz="2400" dirty="0"/>
+          </a:p>
+          <a:p>
+            <a:pPr marL="342900" indent="-342900" algn="just">
+              <a:buFont typeface="Arial" panose="020B0604020202020204" pitchFamily="34" charset="0"/>
+              <a:buChar char="•"/>
+            </a:pPr>
+            <a:r>
+              <a:rPr lang="ru-RU" sz="2400" dirty="0"/>
+              <a:t>Область применения разрабатываемого мобильного приложения: помощь в прохождении инструктажа на предприятиях, самостоятельная проверка знаний.</a:t>
+            </a:r>
+          </a:p>
+        </p:txBody>
+      </p:sp>
+      <p:sp>
+        <p:nvSpPr>
+          <p:cNvPr id="4" name="Номер слайда 3"/>
+          <p:cNvSpPr>
+            <a:spLocks noGrp="1"/>
+          </p:cNvSpPr>
+          <p:nvPr>
+            <p:ph type="sldNum" sz="quarter" idx="12"/>
+          </p:nvPr>
+        </p:nvSpPr>
+        <p:spPr/>
+        <p:txBody>
+          <a:bodyPr/>
+          <a:lstStyle/>
+          <a:p>
+            <a:fld id="{B19B0651-EE4F-4900-A07F-96A6BFA9D0F0}" type="slidenum">
+              <a:rPr lang="ru-RU" smtClean="0"/>
+              <a:t>2</a:t>
+            </a:fld>
+            <a:endParaRPr lang="ru-RU"/>
+          </a:p>
+        </p:txBody>
+      </p:sp>
+    </p:spTree>
+    <p:extLst>
+      <p:ext uri="{BB962C8B-B14F-4D97-AF65-F5344CB8AC3E}">
+        <p14:creationId xmlns:p14="http://schemas.microsoft.com/office/powerpoint/2010/main" val="3406752283"/>
+      </p:ext>
+    </p:extLst>
+  </p:cSld>
+  <p:clrMapOvr>
+    <a:masterClrMapping/>
+  </p:clrMapOvr>
+</p:sld>
+</file>
+
+<file path=ppt/slides/slide3.xml><?xml version="1.0" encoding="utf-8"?>
+<p:sld xmlns:a="http://schemas.openxmlformats.org/drawingml/2006/main" xmlns:r="http://schemas.openxmlformats.org/officeDocument/2006/relationships" xmlns:p="http://schemas.openxmlformats.org/presentationml/2006/main">
+  <p:cSld>
+    <p:spTree>
+      <p:nvGrpSpPr>
+        <p:cNvPr id="1" name=""/>
+        <p:cNvGrpSpPr/>
+        <p:nvPr/>
+      </p:nvGrpSpPr>
+      <p:grpSpPr>
+        <a:xfrm>
+          <a:off x="0" y="0"/>
+          <a:ext cx="0" cy="0"/>
+          <a:chOff x="0" y="0"/>
+          <a:chExt cx="0" cy="0"/>
+        </a:xfrm>
+      </p:grpSpPr>
+      <p:sp>
+        <p:nvSpPr>
+          <p:cNvPr id="2" name="Заголовок 1"/>
+          <p:cNvSpPr>
+            <a:spLocks noGrp="1"/>
+          </p:cNvSpPr>
+          <p:nvPr>
+            <p:ph type="title"/>
+          </p:nvPr>
+        </p:nvSpPr>
+        <p:spPr/>
+        <p:txBody>
+          <a:bodyPr/>
+          <a:lstStyle/>
+          <a:p>
+            <a:r>
+              <a:rPr lang="ru-RU" dirty="0" smtClean="0"/>
+              <a:t>Задача</a:t>
+            </a:r>
+            <a:endParaRPr lang="ru-RU" dirty="0"/>
+          </a:p>
+        </p:txBody>
+      </p:sp>
+      <p:sp>
+        <p:nvSpPr>
+          <p:cNvPr id="3" name="Прямоугольник 2"/>
+          <p:cNvSpPr/>
+          <p:nvPr/>
+        </p:nvSpPr>
+        <p:spPr>
+          <a:xfrm>
+            <a:off x="467544" y="1628800"/>
+            <a:ext cx="8064896" cy="2308324"/>
+          </a:xfrm>
+          <a:prstGeom prst="rect">
+            <a:avLst/>
+          </a:prstGeom>
+        </p:spPr>
+        <p:txBody>
+          <a:bodyPr wrap="square">
+            <a:spAutoFit/>
+          </a:bodyPr>
+          <a:lstStyle/>
+          <a:p>
+            <a:pPr algn="just"/>
+            <a:r>
+              <a:rPr lang="ru-RU" sz="2400" dirty="0">
+                <a:latin typeface="Times New Roman" panose="02020603050405020304" pitchFamily="18" charset="0"/>
+                <a:cs typeface="Times New Roman" panose="02020603050405020304" pitchFamily="18" charset="0"/>
+              </a:rPr>
+              <a:t>Реализовать мобильное приложение на базе </a:t>
+            </a:r>
+            <a:r>
+              <a:rPr lang="ru-RU" sz="2400" dirty="0" err="1">
+                <a:latin typeface="Times New Roman" panose="02020603050405020304" pitchFamily="18" charset="0"/>
+                <a:cs typeface="Times New Roman" panose="02020603050405020304" pitchFamily="18" charset="0"/>
+              </a:rPr>
+              <a:t>Android</a:t>
+            </a:r>
+            <a:r>
+              <a:rPr lang="ru-RU" sz="2400" dirty="0">
+                <a:latin typeface="Times New Roman" panose="02020603050405020304" pitchFamily="18" charset="0"/>
+                <a:cs typeface="Times New Roman" panose="02020603050405020304" pitchFamily="18" charset="0"/>
+              </a:rPr>
+              <a:t>, содержащее вопросы по электробезопасности. Всего 35 вопросов. Пользователь должен ответить на все из них. Приложение, согласно логике, должно обработать данные и выдать их текущему пользователю. Управление осуществить с помощью пользовательского интерфейс.</a:t>
+            </a:r>
+          </a:p>
+        </p:txBody>
+      </p:sp>
+      <p:sp>
+        <p:nvSpPr>
+          <p:cNvPr id="4" name="Номер слайда 3"/>
+          <p:cNvSpPr>
+            <a:spLocks noGrp="1"/>
+          </p:cNvSpPr>
+          <p:nvPr>
+            <p:ph type="sldNum" sz="quarter" idx="12"/>
+          </p:nvPr>
+        </p:nvSpPr>
+        <p:spPr/>
+        <p:txBody>
+          <a:bodyPr/>
+          <a:lstStyle/>
+          <a:p>
+            <a:fld id="{B19B0651-EE4F-4900-A07F-96A6BFA9D0F0}" type="slidenum">
+              <a:rPr lang="ru-RU" smtClean="0"/>
+              <a:t>3</a:t>
+            </a:fld>
+            <a:endParaRPr lang="ru-RU"/>
+          </a:p>
+        </p:txBody>
+      </p:sp>
+    </p:spTree>
+    <p:extLst>
+      <p:ext uri="{BB962C8B-B14F-4D97-AF65-F5344CB8AC3E}">
+        <p14:creationId xmlns:p14="http://schemas.microsoft.com/office/powerpoint/2010/main" val="3375693616"/>
+      </p:ext>
+    </p:extLst>
+  </p:cSld>
+  <p:clrMapOvr>
+    <a:masterClrMapping/>
+  </p:clrMapOvr>
+</p:sld>
+</file>
+
+<file path=ppt/slides/slide4.xml><?xml version="1.0" encoding="utf-8"?>
+<p:sld xmlns:a="http://schemas.openxmlformats.org/drawingml/2006/main" xmlns:r="http://schemas.openxmlformats.org/officeDocument/2006/relationships" xmlns:p="http://schemas.openxmlformats.org/presentationml/2006/main">
+  <p:cSld>
+    <p:spTree>
+      <p:nvGrpSpPr>
+        <p:cNvPr id="1" name=""/>
+        <p:cNvGrpSpPr/>
+        <p:nvPr/>
+      </p:nvGrpSpPr>
+      <p:grpSpPr>
+        <a:xfrm>
+          <a:off x="0" y="0"/>
+          <a:ext cx="0" cy="0"/>
+          <a:chOff x="0" y="0"/>
+          <a:chExt cx="0" cy="0"/>
+        </a:xfrm>
+      </p:grpSpPr>
+      <p:sp>
+        <p:nvSpPr>
+          <p:cNvPr id="2" name="Заголовок 1"/>
+          <p:cNvSpPr>
+            <a:spLocks noGrp="1"/>
+          </p:cNvSpPr>
+          <p:nvPr>
+            <p:ph type="title"/>
+          </p:nvPr>
+        </p:nvSpPr>
+        <p:spPr/>
+        <p:txBody>
+          <a:bodyPr/>
+          <a:lstStyle/>
+          <a:p>
+            <a:r>
+              <a:rPr lang="ru-RU" dirty="0" smtClean="0"/>
               <a:t>Аналоги</a:t>
             </a:r>
             <a:endParaRPr lang="ru-RU" dirty="0"/>
+          </a:p>
+        </p:txBody>
+      </p:sp>
+      <p:sp>
+        <p:nvSpPr>
+          <p:cNvPr id="4" name="Прямоугольник 3"/>
+          <p:cNvSpPr/>
+          <p:nvPr/>
+        </p:nvSpPr>
+        <p:spPr>
+          <a:xfrm>
+            <a:off x="4751512" y="5445224"/>
+            <a:ext cx="4192418" cy="587853"/>
+          </a:xfrm>
+          <a:prstGeom prst="rect">
+            <a:avLst/>
+          </a:prstGeom>
+        </p:spPr>
+        <p:txBody>
+          <a:bodyPr wrap="square">
+            <a:spAutoFit/>
+          </a:bodyPr>
+          <a:lstStyle/>
+          <a:p>
+            <a:pPr algn="ctr">
+              <a:lnSpc>
+                <a:spcPct val="115000"/>
+              </a:lnSpc>
+              <a:spcAft>
+                <a:spcPts val="800"/>
+              </a:spcAft>
+            </a:pPr>
+            <a:r>
+              <a:rPr lang="ru-RU" sz="1400" dirty="0" smtClean="0">
+                <a:solidFill>
+                  <a:srgbClr val="000000"/>
+                </a:solidFill>
+                <a:latin typeface="Times New Roman"/>
+                <a:ea typeface="Times New Roman"/>
+                <a:cs typeface="Times New Roman"/>
+              </a:rPr>
+              <a:t>Скриншот </a:t>
+            </a:r>
+            <a:r>
+              <a:rPr lang="ru-RU" sz="1400" dirty="0">
+                <a:solidFill>
+                  <a:srgbClr val="000000"/>
+                </a:solidFill>
+                <a:latin typeface="Times New Roman"/>
+                <a:ea typeface="Times New Roman"/>
+                <a:cs typeface="Times New Roman"/>
+              </a:rPr>
+              <a:t>приложения «Правила ТБ тепломеханического оборудования».</a:t>
+            </a:r>
+            <a:endParaRPr lang="ru-RU" sz="1100" dirty="0">
+              <a:ea typeface="Calibri"/>
+              <a:cs typeface="Times New Roman"/>
+            </a:endParaRPr>
           </a:p>
         </p:txBody>
       </p:sp>
       <p:pic>
         <p:nvPicPr>
-          <p:cNvPr id="1026" name="Picture 2"/>
+          <p:cNvPr id="1028" name="Picture 4"/>
           <p:cNvPicPr>
             <a:picLocks noChangeAspect="1" noChangeArrowheads="1"/>
           </p:cNvPicPr>
@@ -3151,230 +6496,8 @@
         </p:blipFill>
         <p:spPr bwMode="auto">
           <a:xfrm>
-            <a:off x="323528" y="1212850"/>
-            <a:ext cx="2487613" cy="4432300"/>
-          </a:xfrm>
-          <a:prstGeom prst="rect">
-            <a:avLst/>
-          </a:prstGeom>
-          <a:noFill/>
-          <a:ln>
-            <a:noFill/>
-          </a:ln>
-          <a:effectLst/>
-          <a:extLst>
-            <a:ext uri="{909E8E84-426E-40DD-AFC4-6F175D3DCCD1}">
-              <a14:hiddenFill xmlns:a14="http://schemas.microsoft.com/office/drawing/2010/main">
-                <a:solidFill>
-                  <a:schemeClr val="accent1"/>
-                </a:solidFill>
-              </a14:hiddenFill>
-            </a:ext>
-            <a:ext uri="{91240B29-F687-4F45-9708-019B960494DF}">
-              <a14:hiddenLine xmlns:a14="http://schemas.microsoft.com/office/drawing/2010/main" w="9525">
-                <a:solidFill>
-                  <a:schemeClr val="tx1"/>
-                </a:solidFill>
-                <a:miter lim="800000"/>
-                <a:headEnd/>
-                <a:tailEnd/>
-              </a14:hiddenLine>
-            </a:ext>
-            <a:ext uri="{AF507438-7753-43E0-B8FC-AC1667EBCBE1}">
-              <a14:hiddenEffects xmlns:a14="http://schemas.microsoft.com/office/drawing/2010/main">
-                <a:effectLst>
-                  <a:outerShdw dist="35921" dir="2700000" algn="ctr" rotWithShape="0">
-                    <a:schemeClr val="bg2"/>
-                  </a:outerShdw>
-                </a:effectLst>
-              </a14:hiddenEffects>
-            </a:ext>
-          </a:extLst>
-        </p:spPr>
-      </p:pic>
-      <p:sp>
-        <p:nvSpPr>
-          <p:cNvPr id="3" name="Прямоугольник 2"/>
-          <p:cNvSpPr/>
-          <p:nvPr/>
-        </p:nvSpPr>
-        <p:spPr>
-          <a:xfrm>
-            <a:off x="345749" y="5686726"/>
-            <a:ext cx="2286000" cy="835613"/>
-          </a:xfrm>
-          <a:prstGeom prst="rect">
-            <a:avLst/>
-          </a:prstGeom>
-        </p:spPr>
-        <p:txBody>
-          <a:bodyPr>
-            <a:spAutoFit/>
-          </a:bodyPr>
-          <a:lstStyle/>
-          <a:p>
-            <a:pPr algn="ctr">
-              <a:lnSpc>
-                <a:spcPct val="115000"/>
-              </a:lnSpc>
-              <a:spcAft>
-                <a:spcPts val="800"/>
-              </a:spcAft>
-            </a:pPr>
-            <a:r>
-              <a:rPr lang="ru-RU" sz="1400" dirty="0">
-                <a:solidFill>
-                  <a:srgbClr val="000000"/>
-                </a:solidFill>
-                <a:latin typeface="Times New Roman"/>
-                <a:ea typeface="Times New Roman"/>
-                <a:cs typeface="Times New Roman"/>
-              </a:rPr>
-              <a:t>Рисунок 1. Скриншот приложения «Техника безопасности».</a:t>
-            </a:r>
-            <a:endParaRPr lang="ru-RU" sz="1100" dirty="0">
-              <a:ea typeface="Calibri"/>
-              <a:cs typeface="Times New Roman"/>
-            </a:endParaRPr>
-          </a:p>
-        </p:txBody>
-      </p:sp>
-      <p:pic>
-        <p:nvPicPr>
-          <p:cNvPr id="1027" name="Picture 3"/>
-          <p:cNvPicPr>
-            <a:picLocks noChangeAspect="1" noChangeArrowheads="1"/>
-          </p:cNvPicPr>
-          <p:nvPr/>
-        </p:nvPicPr>
-        <p:blipFill>
-          <a:blip r:embed="rId3">
-            <a:extLst>
-              <a:ext uri="{28A0092B-C50C-407E-A947-70E740481C1C}">
-                <a14:useLocalDpi xmlns:a14="http://schemas.microsoft.com/office/drawing/2010/main" val="0"/>
-              </a:ext>
-            </a:extLst>
-          </a:blip>
-          <a:srcRect/>
-          <a:stretch>
-            <a:fillRect/>
-          </a:stretch>
-        </p:blipFill>
-        <p:spPr bwMode="auto">
-          <a:xfrm>
-            <a:off x="2771800" y="898525"/>
-            <a:ext cx="2620962" cy="4746625"/>
-          </a:xfrm>
-          <a:prstGeom prst="rect">
-            <a:avLst/>
-          </a:prstGeom>
-          <a:noFill/>
-          <a:ln>
-            <a:noFill/>
-          </a:ln>
-          <a:effectLst/>
-          <a:extLst>
-            <a:ext uri="{909E8E84-426E-40DD-AFC4-6F175D3DCCD1}">
-              <a14:hiddenFill xmlns:a14="http://schemas.microsoft.com/office/drawing/2010/main">
-                <a:solidFill>
-                  <a:schemeClr val="accent1"/>
-                </a:solidFill>
-              </a14:hiddenFill>
-            </a:ext>
-            <a:ext uri="{91240B29-F687-4F45-9708-019B960494DF}">
-              <a14:hiddenLine xmlns:a14="http://schemas.microsoft.com/office/drawing/2010/main" w="9525">
-                <a:solidFill>
-                  <a:schemeClr val="tx1"/>
-                </a:solidFill>
-                <a:miter lim="800000"/>
-                <a:headEnd/>
-                <a:tailEnd/>
-              </a14:hiddenLine>
-            </a:ext>
-            <a:ext uri="{AF507438-7753-43E0-B8FC-AC1667EBCBE1}">
-              <a14:hiddenEffects xmlns:a14="http://schemas.microsoft.com/office/drawing/2010/main">
-                <a:effectLst>
-                  <a:outerShdw dist="35921" dir="2700000" algn="ctr" rotWithShape="0">
-                    <a:schemeClr val="bg2"/>
-                  </a:outerShdw>
-                </a:effectLst>
-              </a14:hiddenEffects>
-            </a:ext>
-          </a:extLst>
-        </p:spPr>
-      </p:pic>
-      <p:sp>
-        <p:nvSpPr>
-          <p:cNvPr id="4" name="Прямоугольник 3"/>
-          <p:cNvSpPr/>
-          <p:nvPr/>
-        </p:nvSpPr>
-        <p:spPr>
-          <a:xfrm>
-            <a:off x="4283968" y="6087283"/>
-            <a:ext cx="4572000" cy="435056"/>
-          </a:xfrm>
-          <a:prstGeom prst="rect">
-            <a:avLst/>
-          </a:prstGeom>
-        </p:spPr>
-        <p:txBody>
-          <a:bodyPr>
-            <a:spAutoFit/>
-          </a:bodyPr>
-          <a:lstStyle/>
-          <a:p>
-            <a:pPr algn="ctr">
-              <a:lnSpc>
-                <a:spcPct val="115000"/>
-              </a:lnSpc>
-              <a:spcAft>
-                <a:spcPts val="800"/>
-              </a:spcAft>
-            </a:pPr>
-            <a:r>
-              <a:rPr lang="ru-RU" sz="1000" dirty="0">
-                <a:solidFill>
-                  <a:srgbClr val="000000"/>
-                </a:solidFill>
-                <a:latin typeface="Times New Roman"/>
-                <a:ea typeface="Times New Roman"/>
-                <a:cs typeface="Times New Roman"/>
-              </a:rPr>
-              <a:t>Рисунок 3. Скриншот приложения «Правила ТБ тепломеханического оборудования».</a:t>
-            </a:r>
-            <a:endParaRPr lang="ru-RU" sz="800" dirty="0">
-              <a:ea typeface="Calibri"/>
-              <a:cs typeface="Times New Roman"/>
-            </a:endParaRPr>
-          </a:p>
-        </p:txBody>
-      </p:sp>
-      <p:pic>
-        <p:nvPicPr>
-          <p:cNvPr id="1028" name="Picture 4"/>
-          <p:cNvPicPr>
-            <a:picLocks noChangeAspect="1" noChangeArrowheads="1"/>
-          </p:cNvPicPr>
-          <p:nvPr/>
-        </p:nvPicPr>
-        <p:blipFill>
-          <a:blip r:embed="rId4">
-            <a:extLst>
-              <a:ext uri="{28A0092B-C50C-407E-A947-70E740481C1C}">
-                <a14:useLocalDpi xmlns:a14="http://schemas.microsoft.com/office/drawing/2010/main" val="0"/>
-              </a:ext>
-            </a:extLst>
-          </a:blip>
-          <a:srcRect/>
-          <a:stretch>
-            <a:fillRect/>
-          </a:stretch>
-        </p:blipFill>
-        <p:spPr bwMode="auto">
-          <a:xfrm>
-            <a:off x="5292725" y="1628775"/>
-            <a:ext cx="2003425" cy="3551238"/>
+            <a:off x="4503513" y="1484784"/>
+            <a:ext cx="2099583" cy="3721685"/>
           </a:xfrm>
           <a:prstGeom prst="rect">
             <a:avLst/>
@@ -3423,7 +6546,7 @@
           <p:nvPr/>
         </p:nvPicPr>
         <p:blipFill>
-          <a:blip r:embed="rId5">
+          <a:blip r:embed="rId3">
             <a:extLst>
               <a:ext uri="{28A0092B-C50C-407E-A947-70E740481C1C}">
                 <a14:useLocalDpi xmlns:a14="http://schemas.microsoft.com/office/drawing/2010/main" val="0"/>
@@ -3437,8 +6560,8 @@
         </p:blipFill>
         <p:spPr bwMode="auto">
           <a:xfrm>
-            <a:off x="7040563" y="1484313"/>
-            <a:ext cx="2103437" cy="3711575"/>
+            <a:off x="6690758" y="1484784"/>
+            <a:ext cx="2099963" cy="3705445"/>
           </a:xfrm>
           <a:prstGeom prst="rect">
             <a:avLst/>
@@ -3478,6 +6601,215 @@
           </a:extLst>
         </p:spPr>
       </p:pic>
+      <p:sp>
+        <p:nvSpPr>
+          <p:cNvPr id="5" name="Номер слайда 4"/>
+          <p:cNvSpPr>
+            <a:spLocks noGrp="1"/>
+          </p:cNvSpPr>
+          <p:nvPr>
+            <p:ph type="sldNum" sz="quarter" idx="12"/>
+          </p:nvPr>
+        </p:nvSpPr>
+        <p:spPr/>
+        <p:txBody>
+          <a:bodyPr/>
+          <a:lstStyle/>
+          <a:p>
+            <a:fld id="{B19B0651-EE4F-4900-A07F-96A6BFA9D0F0}" type="slidenum">
+              <a:rPr lang="ru-RU" smtClean="0"/>
+              <a:t>4</a:t>
+            </a:fld>
+            <a:endParaRPr lang="ru-RU"/>
+          </a:p>
+        </p:txBody>
+      </p:sp>
+      <p:pic>
+        <p:nvPicPr>
+          <p:cNvPr id="10" name="Picture 2"/>
+          <p:cNvPicPr>
+            <a:picLocks noChangeAspect="1" noChangeArrowheads="1"/>
+          </p:cNvPicPr>
+          <p:nvPr/>
+        </p:nvPicPr>
+        <p:blipFill>
+          <a:blip r:embed="rId4">
+            <a:extLst>
+              <a:ext uri="{28A0092B-C50C-407E-A947-70E740481C1C}">
+                <a14:useLocalDpi xmlns:a14="http://schemas.microsoft.com/office/drawing/2010/main" val="0"/>
+              </a:ext>
+            </a:extLst>
+          </a:blip>
+          <a:srcRect/>
+          <a:stretch>
+            <a:fillRect/>
+          </a:stretch>
+        </p:blipFill>
+        <p:spPr bwMode="auto">
+          <a:xfrm>
+            <a:off x="107504" y="1527693"/>
+            <a:ext cx="2074899" cy="3662536"/>
+          </a:xfrm>
+          <a:prstGeom prst="rect">
+            <a:avLst/>
+          </a:prstGeom>
+          <a:noFill/>
+          <a:ln>
+            <a:noFill/>
+          </a:ln>
+          <a:effectLst/>
+          <a:extLst>
+            <a:ext uri="{909E8E84-426E-40DD-AFC4-6F175D3DCCD1}">
+              <a14:hiddenFill xmlns:a14="http://schemas.microsoft.com/office/drawing/2010/main">
+                <a:solidFill>
+                  <a:schemeClr val="accent1"/>
+                </a:solidFill>
+              </a14:hiddenFill>
+            </a:ext>
+            <a:ext uri="{91240B29-F687-4F45-9708-019B960494DF}">
+              <a14:hiddenLine xmlns:a14="http://schemas.microsoft.com/office/drawing/2010/main" w="9525">
+                <a:solidFill>
+                  <a:schemeClr val="tx1"/>
+                </a:solidFill>
+                <a:miter lim="800000"/>
+                <a:headEnd/>
+                <a:tailEnd/>
+              </a14:hiddenLine>
+            </a:ext>
+            <a:ext uri="{AF507438-7753-43E0-B8FC-AC1667EBCBE1}">
+              <a14:hiddenEffects xmlns:a14="http://schemas.microsoft.com/office/drawing/2010/main">
+                <a:effectLst>
+                  <a:outerShdw dist="35921" dir="2700000" algn="ctr" rotWithShape="0">
+                    <a:schemeClr val="bg2"/>
+                  </a:outerShdw>
+                </a:effectLst>
+              </a14:hiddenEffects>
+            </a:ext>
+          </a:extLst>
+        </p:spPr>
+      </p:pic>
+      <p:pic>
+        <p:nvPicPr>
+          <p:cNvPr id="11" name="Picture 3"/>
+          <p:cNvPicPr>
+            <a:picLocks noChangeAspect="1" noChangeArrowheads="1"/>
+          </p:cNvPicPr>
+          <p:nvPr/>
+        </p:nvPicPr>
+        <p:blipFill>
+          <a:blip r:embed="rId5">
+            <a:extLst>
+              <a:ext uri="{28A0092B-C50C-407E-A947-70E740481C1C}">
+                <a14:useLocalDpi xmlns:a14="http://schemas.microsoft.com/office/drawing/2010/main" val="0"/>
+              </a:ext>
+            </a:extLst>
+          </a:blip>
+          <a:srcRect/>
+          <a:stretch>
+            <a:fillRect/>
+          </a:stretch>
+        </p:blipFill>
+        <p:spPr bwMode="auto">
+          <a:xfrm>
+            <a:off x="2259748" y="1539141"/>
+            <a:ext cx="2073618" cy="3667328"/>
+          </a:xfrm>
+          <a:prstGeom prst="rect">
+            <a:avLst/>
+          </a:prstGeom>
+          <a:noFill/>
+          <a:ln>
+            <a:noFill/>
+          </a:ln>
+          <a:effectLst/>
+          <a:extLst>
+            <a:ext uri="{909E8E84-426E-40DD-AFC4-6F175D3DCCD1}">
+              <a14:hiddenFill xmlns:a14="http://schemas.microsoft.com/office/drawing/2010/main">
+                <a:solidFill>
+                  <a:schemeClr val="accent1"/>
+                </a:solidFill>
+              </a14:hiddenFill>
+            </a:ext>
+            <a:ext uri="{91240B29-F687-4F45-9708-019B960494DF}">
+              <a14:hiddenLine xmlns:a14="http://schemas.microsoft.com/office/drawing/2010/main" w="9525">
+                <a:solidFill>
+                  <a:schemeClr val="tx1"/>
+                </a:solidFill>
+                <a:miter lim="800000"/>
+                <a:headEnd/>
+                <a:tailEnd/>
+              </a14:hiddenLine>
+            </a:ext>
+            <a:ext uri="{AF507438-7753-43E0-B8FC-AC1667EBCBE1}">
+              <a14:hiddenEffects xmlns:a14="http://schemas.microsoft.com/office/drawing/2010/main">
+                <a:effectLst>
+                  <a:outerShdw dist="35921" dir="2700000" algn="ctr" rotWithShape="0">
+                    <a:schemeClr val="bg2"/>
+                  </a:outerShdw>
+                </a:effectLst>
+              </a14:hiddenEffects>
+            </a:ext>
+          </a:extLst>
+        </p:spPr>
+      </p:pic>
+      <p:sp>
+        <p:nvSpPr>
+          <p:cNvPr id="12" name="Прямоугольник 11"/>
+          <p:cNvSpPr/>
+          <p:nvPr/>
+        </p:nvSpPr>
+        <p:spPr>
+          <a:xfrm>
+            <a:off x="105476" y="5445224"/>
+            <a:ext cx="4153854" cy="587853"/>
+          </a:xfrm>
+          <a:prstGeom prst="rect">
+            <a:avLst/>
+          </a:prstGeom>
+        </p:spPr>
+        <p:txBody>
+          <a:bodyPr wrap="square">
+            <a:spAutoFit/>
+          </a:bodyPr>
+          <a:lstStyle/>
+          <a:p>
+            <a:pPr algn="ctr">
+              <a:lnSpc>
+                <a:spcPct val="115000"/>
+              </a:lnSpc>
+              <a:spcAft>
+                <a:spcPts val="800"/>
+              </a:spcAft>
+            </a:pPr>
+            <a:r>
+              <a:rPr lang="ru-RU" sz="1400" dirty="0" smtClean="0">
+                <a:solidFill>
+                  <a:srgbClr val="000000"/>
+                </a:solidFill>
+                <a:latin typeface="Times New Roman"/>
+                <a:ea typeface="Times New Roman"/>
+                <a:cs typeface="Times New Roman"/>
+              </a:rPr>
+              <a:t>Скриншот </a:t>
+            </a:r>
+            <a:r>
+              <a:rPr lang="ru-RU" sz="1400" dirty="0">
+                <a:solidFill>
+                  <a:srgbClr val="000000"/>
+                </a:solidFill>
+                <a:latin typeface="Times New Roman"/>
+                <a:ea typeface="Times New Roman"/>
+                <a:cs typeface="Times New Roman"/>
+              </a:rPr>
+              <a:t>приложения «Промышленная безопасность тесты».</a:t>
+            </a:r>
+            <a:endParaRPr lang="ru-RU" sz="1400" dirty="0">
+              <a:ea typeface="Calibri"/>
+              <a:cs typeface="Times New Roman"/>
+            </a:endParaRPr>
+          </a:p>
+        </p:txBody>
+      </p:sp>
     </p:spTree>
     <p:extLst>
       <p:ext uri="{BB962C8B-B14F-4D97-AF65-F5344CB8AC3E}">
@@ -3488,10 +6820,17 @@
   <p:clrMapOvr>
     <a:masterClrMapping/>
   </p:clrMapOvr>
+  <p:timing>
+    <p:tnLst>
+      <p:par>
+        <p:cTn id="1" dur="indefinite" restart="never" nodeType="tmRoot"/>
+      </p:par>
+    </p:tnLst>
+  </p:timing>
 </p:sld>
 </file>
 
-<file path=ppt/slides/slide3.xml><?xml version="1.0" encoding="utf-8"?>
+<file path=ppt/slides/slide5.xml><?xml version="1.0" encoding="utf-8"?>
 <p:sld xmlns:a="http://schemas.openxmlformats.org/drawingml/2006/main" xmlns:r="http://schemas.openxmlformats.org/officeDocument/2006/relationships" xmlns:p="http://schemas.openxmlformats.org/presentationml/2006/main">
   <p:cSld>
     <p:spTree>
@@ -3518,18 +6857,50 @@
             <p:ph type="title"/>
           </p:nvPr>
         </p:nvSpPr>
+        <p:spPr>
+          <a:xfrm>
+            <a:off x="467544" y="67511"/>
+            <a:ext cx="8229600" cy="1143000"/>
+          </a:xfrm>
+        </p:spPr>
+        <p:txBody>
+          <a:bodyPr/>
+          <a:lstStyle/>
+          <a:p>
+            <a:r>
+              <a:rPr lang="ru-RU" dirty="0" smtClean="0"/>
+              <a:t>Аналоги</a:t>
+            </a:r>
+            <a:endParaRPr lang="ru-RU" dirty="0"/>
+          </a:p>
+        </p:txBody>
+      </p:sp>
+      <p:sp>
+        <p:nvSpPr>
+          <p:cNvPr id="4" name="Номер слайда 3"/>
+          <p:cNvSpPr>
+            <a:spLocks noGrp="1"/>
+          </p:cNvSpPr>
+          <p:nvPr>
+            <p:ph type="sldNum" sz="quarter" idx="12"/>
+          </p:nvPr>
+        </p:nvSpPr>
         <p:spPr/>
         <p:txBody>
           <a:bodyPr/>
           <a:lstStyle/>
           <a:p>
+            <a:fld id="{B19B0651-EE4F-4900-A07F-96A6BFA9D0F0}" type="slidenum">
+              <a:rPr lang="ru-RU" smtClean="0"/>
+              <a:t>5</a:t>
+            </a:fld>
             <a:endParaRPr lang="ru-RU"/>
           </a:p>
         </p:txBody>
       </p:sp>
       <p:pic>
         <p:nvPicPr>
-          <p:cNvPr id="2050" name="Picture 2"/>
+          <p:cNvPr id="7" name="Picture 2"/>
           <p:cNvPicPr>
             <a:picLocks noChangeAspect="1" noChangeArrowheads="1"/>
           </p:cNvPicPr>
@@ -3550,8 +6921,8 @@
         </p:blipFill>
         <p:spPr bwMode="auto">
           <a:xfrm>
-            <a:off x="2267744" y="1844824"/>
-            <a:ext cx="2041525" cy="3603625"/>
+            <a:off x="1475656" y="1196751"/>
+            <a:ext cx="2773070" cy="4940912"/>
           </a:xfrm>
           <a:prstGeom prst="rect">
             <a:avLst/>
@@ -3593,7 +6964,7 @@
       </p:pic>
       <p:pic>
         <p:nvPicPr>
-          <p:cNvPr id="2051" name="Picture 3"/>
+          <p:cNvPr id="8" name="Picture 3"/>
           <p:cNvPicPr>
             <a:picLocks noChangeAspect="1" noChangeArrowheads="1"/>
           </p:cNvPicPr>
@@ -3614,8 +6985,8 @@
         </p:blipFill>
         <p:spPr bwMode="auto">
           <a:xfrm>
-            <a:off x="5364088" y="1844824"/>
-            <a:ext cx="2201863" cy="3894138"/>
+            <a:off x="4788024" y="1196752"/>
+            <a:ext cx="2728242" cy="4940911"/>
           </a:xfrm>
           <a:prstGeom prst="rect">
             <a:avLst/>
@@ -3657,21 +7028,21 @@
       </p:pic>
       <p:sp>
         <p:nvSpPr>
-          <p:cNvPr id="3" name="Прямоугольник 2"/>
+          <p:cNvPr id="9" name="Прямоугольник 8"/>
           <p:cNvSpPr/>
           <p:nvPr/>
         </p:nvSpPr>
         <p:spPr>
           <a:xfrm>
-            <a:off x="1923875" y="5877272"/>
-            <a:ext cx="4572000" cy="729430"/>
+            <a:off x="1475656" y="6381328"/>
+            <a:ext cx="5832648" cy="340093"/>
           </a:xfrm>
           <a:prstGeom prst="rect">
             <a:avLst/>
           </a:prstGeom>
         </p:spPr>
         <p:txBody>
-          <a:bodyPr>
+          <a:bodyPr wrap="square">
             <a:spAutoFit/>
           </a:bodyPr>
           <a:lstStyle/>
@@ -3685,7 +7056,7 @@
               </a:spcAft>
             </a:pPr>
             <a:r>
-              <a:rPr lang="ru-RU" dirty="0">
+              <a:rPr lang="ru-RU" sz="1400" dirty="0" smtClean="0">
                 <a:solidFill>
                   <a:srgbClr val="000000"/>
                 </a:solidFill>
@@ -3693,9 +7064,20 @@
                 <a:ea typeface="Times New Roman"/>
                 <a:cs typeface="Times New Roman"/>
               </a:rPr>
-              <a:t>Рисунок 5. Скриншот приложения «Промышленная безопасность тесты».</a:t>
-            </a:r>
-            <a:endParaRPr lang="ru-RU" sz="1400" dirty="0">
+              <a:t>Скриншот </a:t>
+            </a:r>
+            <a:r>
+              <a:rPr lang="ru-RU" sz="1400" dirty="0">
+                <a:solidFill>
+                  <a:srgbClr val="000000"/>
+                </a:solidFill>
+                <a:latin typeface="Times New Roman"/>
+                <a:ea typeface="Times New Roman"/>
+                <a:cs typeface="Times New Roman"/>
+              </a:rPr>
+              <a:t>приложения «Техника безопасности».</a:t>
+            </a:r>
+            <a:endParaRPr lang="ru-RU" sz="1100" dirty="0">
               <a:ea typeface="Calibri"/>
               <a:cs typeface="Times New Roman"/>
             </a:endParaRPr>
@@ -3706,6 +7088,515 @@
     <p:extLst>
       <p:ext uri="{BB962C8B-B14F-4D97-AF65-F5344CB8AC3E}">
         <p14:creationId xmlns:p14="http://schemas.microsoft.com/office/powerpoint/2010/main" val="1859438355"/>
+      </p:ext>
+    </p:extLst>
+  </p:cSld>
+  <p:clrMapOvr>
+    <a:masterClrMapping/>
+  </p:clrMapOvr>
+  <p:timing>
+    <p:tnLst>
+      <p:par>
+        <p:cTn id="1" dur="indefinite" restart="never" nodeType="tmRoot"/>
+      </p:par>
+    </p:tnLst>
+  </p:timing>
+</p:sld>
+</file>
+
+<file path=ppt/slides/slide6.xml><?xml version="1.0" encoding="utf-8"?>
+<p:sld xmlns:a="http://schemas.openxmlformats.org/drawingml/2006/main" xmlns:r="http://schemas.openxmlformats.org/officeDocument/2006/relationships" xmlns:p="http://schemas.openxmlformats.org/presentationml/2006/main">
+  <p:cSld>
+    <p:spTree>
+      <p:nvGrpSpPr>
+        <p:cNvPr id="1" name=""/>
+        <p:cNvGrpSpPr/>
+        <p:nvPr/>
+      </p:nvGrpSpPr>
+      <p:grpSpPr>
+        <a:xfrm>
+          <a:off x="0" y="0"/>
+          <a:ext cx="0" cy="0"/>
+          <a:chOff x="0" y="0"/>
+          <a:chExt cx="0" cy="0"/>
+        </a:xfrm>
+      </p:grpSpPr>
+      <p:sp>
+        <p:nvSpPr>
+          <p:cNvPr id="2" name="Заголовок 1"/>
+          <p:cNvSpPr>
+            <a:spLocks noGrp="1"/>
+          </p:cNvSpPr>
+          <p:nvPr>
+            <p:ph type="title"/>
+          </p:nvPr>
+        </p:nvSpPr>
+        <p:spPr/>
+        <p:txBody>
+          <a:bodyPr/>
+          <a:lstStyle/>
+          <a:p>
+            <a:r>
+              <a:rPr lang="ru-RU" dirty="0" smtClean="0"/>
+              <a:t>Функции</a:t>
+            </a:r>
+            <a:endParaRPr lang="ru-RU" dirty="0"/>
+          </a:p>
+        </p:txBody>
+      </p:sp>
+      <p:sp>
+        <p:nvSpPr>
+          <p:cNvPr id="3" name="Прямоугольник 2"/>
+          <p:cNvSpPr/>
+          <p:nvPr/>
+        </p:nvSpPr>
+        <p:spPr>
+          <a:xfrm>
+            <a:off x="827584" y="1691688"/>
+            <a:ext cx="6840760" cy="2795958"/>
+          </a:xfrm>
+          <a:prstGeom prst="rect">
+            <a:avLst/>
+          </a:prstGeom>
+        </p:spPr>
+        <p:txBody>
+          <a:bodyPr wrap="square">
+            <a:spAutoFit/>
+          </a:bodyPr>
+          <a:lstStyle/>
+          <a:p>
+            <a:pPr>
+              <a:lnSpc>
+                <a:spcPct val="150000"/>
+              </a:lnSpc>
+            </a:pPr>
+            <a:r>
+              <a:rPr lang="ru-RU" sz="2400" dirty="0">
+                <a:latin typeface="Times New Roman" panose="02020603050405020304" pitchFamily="18" charset="0"/>
+                <a:cs typeface="Times New Roman" panose="02020603050405020304" pitchFamily="18" charset="0"/>
+              </a:rPr>
+              <a:t>1)	регистрация и авторизация в системе;</a:t>
+            </a:r>
+          </a:p>
+          <a:p>
+            <a:pPr>
+              <a:lnSpc>
+                <a:spcPct val="150000"/>
+              </a:lnSpc>
+            </a:pPr>
+            <a:r>
+              <a:rPr lang="ru-RU" sz="2400" dirty="0">
+                <a:latin typeface="Times New Roman" panose="02020603050405020304" pitchFamily="18" charset="0"/>
+                <a:cs typeface="Times New Roman" panose="02020603050405020304" pitchFamily="18" charset="0"/>
+              </a:rPr>
+              <a:t>2)	просмотр и редактирование профиля;</a:t>
+            </a:r>
+          </a:p>
+          <a:p>
+            <a:pPr>
+              <a:lnSpc>
+                <a:spcPct val="150000"/>
+              </a:lnSpc>
+            </a:pPr>
+            <a:r>
+              <a:rPr lang="ru-RU" sz="2400" dirty="0">
+                <a:latin typeface="Times New Roman" panose="02020603050405020304" pitchFamily="18" charset="0"/>
+                <a:cs typeface="Times New Roman" panose="02020603050405020304" pitchFamily="18" charset="0"/>
+              </a:rPr>
+              <a:t>3)	просмотр результатов ранее пройденных тестов;</a:t>
+            </a:r>
+          </a:p>
+          <a:p>
+            <a:pPr>
+              <a:lnSpc>
+                <a:spcPct val="150000"/>
+              </a:lnSpc>
+            </a:pPr>
+            <a:r>
+              <a:rPr lang="ru-RU" sz="2400" dirty="0">
+                <a:latin typeface="Times New Roman" panose="02020603050405020304" pitchFamily="18" charset="0"/>
+                <a:cs typeface="Times New Roman" panose="02020603050405020304" pitchFamily="18" charset="0"/>
+              </a:rPr>
+              <a:t>4)	возможность отвечать на вопросы теста.</a:t>
+            </a:r>
+          </a:p>
+        </p:txBody>
+      </p:sp>
+      <p:sp>
+        <p:nvSpPr>
+          <p:cNvPr id="4" name="Номер слайда 3"/>
+          <p:cNvSpPr>
+            <a:spLocks noGrp="1"/>
+          </p:cNvSpPr>
+          <p:nvPr>
+            <p:ph type="sldNum" sz="quarter" idx="12"/>
+          </p:nvPr>
+        </p:nvSpPr>
+        <p:spPr/>
+        <p:txBody>
+          <a:bodyPr/>
+          <a:lstStyle/>
+          <a:p>
+            <a:fld id="{B19B0651-EE4F-4900-A07F-96A6BFA9D0F0}" type="slidenum">
+              <a:rPr lang="ru-RU" smtClean="0"/>
+              <a:t>6</a:t>
+            </a:fld>
+            <a:endParaRPr lang="ru-RU"/>
+          </a:p>
+        </p:txBody>
+      </p:sp>
+    </p:spTree>
+    <p:extLst>
+      <p:ext uri="{BB962C8B-B14F-4D97-AF65-F5344CB8AC3E}">
+        <p14:creationId xmlns:p14="http://schemas.microsoft.com/office/powerpoint/2010/main" val="714857999"/>
+      </p:ext>
+    </p:extLst>
+  </p:cSld>
+  <p:clrMapOvr>
+    <a:masterClrMapping/>
+  </p:clrMapOvr>
+  <p:timing>
+    <p:tnLst>
+      <p:par>
+        <p:cTn id="1" dur="indefinite" restart="never" nodeType="tmRoot"/>
+      </p:par>
+    </p:tnLst>
+  </p:timing>
+</p:sld>
+</file>
+
+<file path=ppt/slides/slide7.xml><?xml version="1.0" encoding="utf-8"?>
+<p:sld xmlns:a="http://schemas.openxmlformats.org/drawingml/2006/main" xmlns:r="http://schemas.openxmlformats.org/officeDocument/2006/relationships" xmlns:p="http://schemas.openxmlformats.org/presentationml/2006/main">
+  <p:cSld>
+    <p:spTree>
+      <p:nvGrpSpPr>
+        <p:cNvPr id="1" name=""/>
+        <p:cNvGrpSpPr/>
+        <p:nvPr/>
+      </p:nvGrpSpPr>
+      <p:grpSpPr>
+        <a:xfrm>
+          <a:off x="0" y="0"/>
+          <a:ext cx="0" cy="0"/>
+          <a:chOff x="0" y="0"/>
+          <a:chExt cx="0" cy="0"/>
+        </a:xfrm>
+      </p:grpSpPr>
+      <p:sp>
+        <p:nvSpPr>
+          <p:cNvPr id="2" name="Заголовок 1"/>
+          <p:cNvSpPr>
+            <a:spLocks noGrp="1"/>
+          </p:cNvSpPr>
+          <p:nvPr>
+            <p:ph type="title"/>
+          </p:nvPr>
+        </p:nvSpPr>
+        <p:spPr/>
+        <p:txBody>
+          <a:bodyPr/>
+          <a:lstStyle/>
+          <a:p>
+            <a:r>
+              <a:rPr lang="ru-RU" dirty="0" smtClean="0"/>
+              <a:t>Диаграмма прецедентов</a:t>
+            </a:r>
+            <a:endParaRPr lang="ru-RU" dirty="0"/>
+          </a:p>
+        </p:txBody>
+      </p:sp>
+      <p:pic>
+        <p:nvPicPr>
+          <p:cNvPr id="1026" name="Picture 2" descr="C:\Users\nasty\Documents\GitHub\Victorina_development\Диаграммы\Use Case Model.png"/>
+          <p:cNvPicPr>
+            <a:picLocks noChangeAspect="1" noChangeArrowheads="1"/>
+          </p:cNvPicPr>
+          <p:nvPr/>
+        </p:nvPicPr>
+        <p:blipFill>
+          <a:blip r:embed="rId2">
+            <a:extLst>
+              <a:ext uri="{28A0092B-C50C-407E-A947-70E740481C1C}">
+                <a14:useLocalDpi xmlns:a14="http://schemas.microsoft.com/office/drawing/2010/main" val="0"/>
+              </a:ext>
+            </a:extLst>
+          </a:blip>
+          <a:srcRect/>
+          <a:stretch>
+            <a:fillRect/>
+          </a:stretch>
+        </p:blipFill>
+        <p:spPr bwMode="auto">
+          <a:xfrm>
+            <a:off x="1187624" y="1268760"/>
+            <a:ext cx="6696744" cy="5297767"/>
+          </a:xfrm>
+          <a:prstGeom prst="rect">
+            <a:avLst/>
+          </a:prstGeom>
+          <a:noFill/>
+          <a:extLst>
+            <a:ext uri="{909E8E84-426E-40DD-AFC4-6F175D3DCCD1}">
+              <a14:hiddenFill xmlns:a14="http://schemas.microsoft.com/office/drawing/2010/main">
+                <a:solidFill>
+                  <a:srgbClr val="FFFFFF"/>
+                </a:solidFill>
+              </a14:hiddenFill>
+            </a:ext>
+          </a:extLst>
+        </p:spPr>
+      </p:pic>
+      <p:sp>
+        <p:nvSpPr>
+          <p:cNvPr id="3" name="Номер слайда 2"/>
+          <p:cNvSpPr>
+            <a:spLocks noGrp="1"/>
+          </p:cNvSpPr>
+          <p:nvPr>
+            <p:ph type="sldNum" sz="quarter" idx="12"/>
+          </p:nvPr>
+        </p:nvSpPr>
+        <p:spPr/>
+        <p:txBody>
+          <a:bodyPr/>
+          <a:lstStyle/>
+          <a:p>
+            <a:fld id="{B19B0651-EE4F-4900-A07F-96A6BFA9D0F0}" type="slidenum">
+              <a:rPr lang="ru-RU" smtClean="0"/>
+              <a:t>7</a:t>
+            </a:fld>
+            <a:endParaRPr lang="ru-RU"/>
+          </a:p>
+        </p:txBody>
+      </p:sp>
+    </p:spTree>
+    <p:extLst>
+      <p:ext uri="{BB962C8B-B14F-4D97-AF65-F5344CB8AC3E}">
+        <p14:creationId xmlns:p14="http://schemas.microsoft.com/office/powerpoint/2010/main" val="1578088238"/>
+      </p:ext>
+    </p:extLst>
+  </p:cSld>
+  <p:clrMapOvr>
+    <a:masterClrMapping/>
+  </p:clrMapOvr>
+</p:sld>
+</file>
+
+<file path=ppt/slides/slide8.xml><?xml version="1.0" encoding="utf-8"?>
+<p:sld xmlns:a="http://schemas.openxmlformats.org/drawingml/2006/main" xmlns:r="http://schemas.openxmlformats.org/officeDocument/2006/relationships" xmlns:p="http://schemas.openxmlformats.org/presentationml/2006/main">
+  <p:cSld>
+    <p:spTree>
+      <p:nvGrpSpPr>
+        <p:cNvPr id="1" name=""/>
+        <p:cNvGrpSpPr/>
+        <p:nvPr/>
+      </p:nvGrpSpPr>
+      <p:grpSpPr>
+        <a:xfrm>
+          <a:off x="0" y="0"/>
+          <a:ext cx="0" cy="0"/>
+          <a:chOff x="0" y="0"/>
+          <a:chExt cx="0" cy="0"/>
+        </a:xfrm>
+      </p:grpSpPr>
+      <p:sp>
+        <p:nvSpPr>
+          <p:cNvPr id="2" name="Заголовок 1"/>
+          <p:cNvSpPr>
+            <a:spLocks noGrp="1"/>
+          </p:cNvSpPr>
+          <p:nvPr>
+            <p:ph type="title"/>
+          </p:nvPr>
+        </p:nvSpPr>
+        <p:spPr>
+          <a:xfrm>
+            <a:off x="107504" y="260648"/>
+            <a:ext cx="3970784" cy="1143000"/>
+          </a:xfrm>
+        </p:spPr>
+        <p:txBody>
+          <a:bodyPr>
+            <a:noAutofit/>
+          </a:bodyPr>
+          <a:lstStyle/>
+          <a:p>
+            <a:r>
+              <a:rPr lang="ru-RU" sz="3600" dirty="0" smtClean="0"/>
+              <a:t>Алгоритм работы приложения</a:t>
+            </a:r>
+            <a:endParaRPr lang="ru-RU" sz="3600" dirty="0"/>
+          </a:p>
+        </p:txBody>
+      </p:sp>
+      <p:sp>
+        <p:nvSpPr>
+          <p:cNvPr id="3" name="Номер слайда 2"/>
+          <p:cNvSpPr>
+            <a:spLocks noGrp="1"/>
+          </p:cNvSpPr>
+          <p:nvPr>
+            <p:ph type="sldNum" sz="quarter" idx="12"/>
+          </p:nvPr>
+        </p:nvSpPr>
+        <p:spPr/>
+        <p:txBody>
+          <a:bodyPr/>
+          <a:lstStyle/>
+          <a:p>
+            <a:fld id="{B19B0651-EE4F-4900-A07F-96A6BFA9D0F0}" type="slidenum">
+              <a:rPr lang="ru-RU" smtClean="0"/>
+              <a:t>8</a:t>
+            </a:fld>
+            <a:endParaRPr lang="ru-RU"/>
+          </a:p>
+        </p:txBody>
+      </p:sp>
+      <p:pic>
+        <p:nvPicPr>
+          <p:cNvPr id="4" name="Рисунок 3"/>
+          <p:cNvPicPr/>
+          <p:nvPr/>
+        </p:nvPicPr>
+        <p:blipFill>
+          <a:blip r:embed="rId2">
+            <a:extLst>
+              <a:ext uri="{28A0092B-C50C-407E-A947-70E740481C1C}">
+                <a14:useLocalDpi xmlns:a14="http://schemas.microsoft.com/office/drawing/2010/main" val="0"/>
+              </a:ext>
+            </a:extLst>
+          </a:blip>
+          <a:stretch>
+            <a:fillRect/>
+          </a:stretch>
+        </p:blipFill>
+        <p:spPr>
+          <a:xfrm>
+            <a:off x="4067944" y="102935"/>
+            <a:ext cx="4262120" cy="6435725"/>
+          </a:xfrm>
+          <a:prstGeom prst="rect">
+            <a:avLst/>
+          </a:prstGeom>
+        </p:spPr>
+      </p:pic>
+    </p:spTree>
+    <p:extLst>
+      <p:ext uri="{BB962C8B-B14F-4D97-AF65-F5344CB8AC3E}">
+        <p14:creationId xmlns:p14="http://schemas.microsoft.com/office/powerpoint/2010/main" val="180737062"/>
+      </p:ext>
+    </p:extLst>
+  </p:cSld>
+  <p:clrMapOvr>
+    <a:masterClrMapping/>
+  </p:clrMapOvr>
+</p:sld>
+</file>
+
+<file path=ppt/slides/slide9.xml><?xml version="1.0" encoding="utf-8"?>
+<p:sld xmlns:a="http://schemas.openxmlformats.org/drawingml/2006/main" xmlns:r="http://schemas.openxmlformats.org/officeDocument/2006/relationships" xmlns:p="http://schemas.openxmlformats.org/presentationml/2006/main">
+  <p:cSld>
+    <p:spTree>
+      <p:nvGrpSpPr>
+        <p:cNvPr id="1" name=""/>
+        <p:cNvGrpSpPr/>
+        <p:nvPr/>
+      </p:nvGrpSpPr>
+      <p:grpSpPr>
+        <a:xfrm>
+          <a:off x="0" y="0"/>
+          <a:ext cx="0" cy="0"/>
+          <a:chOff x="0" y="0"/>
+          <a:chExt cx="0" cy="0"/>
+        </a:xfrm>
+      </p:grpSpPr>
+      <p:sp>
+        <p:nvSpPr>
+          <p:cNvPr id="2" name="Заголовок 1"/>
+          <p:cNvSpPr>
+            <a:spLocks noGrp="1"/>
+          </p:cNvSpPr>
+          <p:nvPr>
+            <p:ph type="title"/>
+          </p:nvPr>
+        </p:nvSpPr>
+        <p:spPr>
+          <a:xfrm>
+            <a:off x="147836" y="620688"/>
+            <a:ext cx="3059832" cy="1225216"/>
+          </a:xfrm>
+        </p:spPr>
+        <p:txBody>
+          <a:bodyPr>
+            <a:noAutofit/>
+          </a:bodyPr>
+          <a:lstStyle/>
+          <a:p>
+            <a:r>
+              <a:rPr lang="ru-RU" sz="2400" dirty="0" smtClean="0"/>
+              <a:t>Диаграмма последовательностей процесса «Пройти тест»</a:t>
+            </a:r>
+            <a:endParaRPr lang="ru-RU" sz="2400" dirty="0"/>
+          </a:p>
+        </p:txBody>
+      </p:sp>
+      <p:sp>
+        <p:nvSpPr>
+          <p:cNvPr id="3" name="Номер слайда 2"/>
+          <p:cNvSpPr>
+            <a:spLocks noGrp="1"/>
+          </p:cNvSpPr>
+          <p:nvPr>
+            <p:ph type="sldNum" sz="quarter" idx="12"/>
+          </p:nvPr>
+        </p:nvSpPr>
+        <p:spPr/>
+        <p:txBody>
+          <a:bodyPr/>
+          <a:lstStyle/>
+          <a:p>
+            <a:fld id="{B19B0651-EE4F-4900-A07F-96A6BFA9D0F0}" type="slidenum">
+              <a:rPr lang="ru-RU" smtClean="0"/>
+              <a:t>9</a:t>
+            </a:fld>
+            <a:endParaRPr lang="ru-RU"/>
+          </a:p>
+        </p:txBody>
+      </p:sp>
+      <p:pic>
+        <p:nvPicPr>
+          <p:cNvPr id="5" name="Рисунок 4"/>
+          <p:cNvPicPr>
+            <a:picLocks noChangeAspect="1"/>
+          </p:cNvPicPr>
+          <p:nvPr/>
+        </p:nvPicPr>
+        <p:blipFill>
+          <a:blip r:embed="rId2">
+            <a:extLst>
+              <a:ext uri="{28A0092B-C50C-407E-A947-70E740481C1C}">
+                <a14:useLocalDpi xmlns:a14="http://schemas.microsoft.com/office/drawing/2010/main" val="0"/>
+              </a:ext>
+            </a:extLst>
+          </a:blip>
+          <a:stretch>
+            <a:fillRect/>
+          </a:stretch>
+        </p:blipFill>
+        <p:spPr>
+          <a:xfrm>
+            <a:off x="3203848" y="600456"/>
+            <a:ext cx="5905500" cy="5730240"/>
+          </a:xfrm>
+          <a:prstGeom prst="rect">
+            <a:avLst/>
+          </a:prstGeom>
+        </p:spPr>
+      </p:pic>
+    </p:spTree>
+    <p:extLst>
+      <p:ext uri="{BB962C8B-B14F-4D97-AF65-F5344CB8AC3E}">
+        <p14:creationId xmlns:p14="http://schemas.microsoft.com/office/powerpoint/2010/main" val="3446136017"/>
       </p:ext>
     </p:extLst>
   </p:cSld>
@@ -3996,4 +7887,289 @@
   <a:objectDefaults/>
   <a:extraClrSchemeLst/>
 </a:theme>
+</file>
+
+<file path=ppt/theme/theme2.xml><?xml version="1.0" encoding="utf-8"?>
+<a:theme xmlns:a="http://schemas.openxmlformats.org/drawingml/2006/main" name="Тема Office">
+  <a:themeElements>
+    <a:clrScheme name="Стандартная">
+      <a:dk1>
+        <a:sysClr val="windowText" lastClr="000000"/>
+      </a:dk1>
+      <a:lt1>
+        <a:sysClr val="window" lastClr="FFFFFF"/>
+      </a:lt1>
+      <a:dk2>
+        <a:srgbClr val="1F497D"/>
+      </a:dk2>
+      <a:lt2>
+        <a:srgbClr val="EEECE1"/>
+      </a:lt2>
+      <a:accent1>
+        <a:srgbClr val="4F81BD"/>
+      </a:accent1>
+      <a:accent2>
+        <a:srgbClr val="C0504D"/>
+      </a:accent2>
+      <a:accent3>
+        <a:srgbClr val="9BBB59"/>
+      </a:accent3>
+      <a:accent4>
+        <a:srgbClr val="8064A2"/>
+      </a:accent4>
+      <a:accent5>
+        <a:srgbClr val="4BACC6"/>
+      </a:accent5>
+      <a:accent6>
+        <a:srgbClr val="F79646"/>
+      </a:accent6>
+      <a:hlink>
+        <a:srgbClr val="0000FF"/>
+      </a:hlink>
+      <a:folHlink>
+        <a:srgbClr val="800080"/>
+      </a:folHlink>
+    </a:clrScheme>
+    <a:fontScheme name="Стандартная">
+      <a:majorFont>
+        <a:latin typeface="Calibri"/>
+        <a:ea typeface=""/>
+        <a:cs typeface=""/>
+        <a:font script="Jpan" typeface="ＭＳ Ｐゴシック"/>
+        <a:font script="Hang" typeface="맑은 고딕"/>
+        <a:font script="Hans" typeface="宋体"/>
+        <a:font script="Hant" typeface="新細明體"/>
+        <a:font script="Arab" typeface="Times New Roman"/>
+        <a:font script="Hebr" typeface="Times New Roman"/>
+        <a:font script="Thai" typeface="Angsana New"/>
+        <a:font script="Ethi" typeface="Nyala"/>
+        <a:font script="Beng" typeface="Vrinda"/>
+        <a:font script="Gujr" typeface="Shruti"/>
+        <a:font script="Khmr" typeface="MoolBoran"/>
+        <a:font script="Knda" typeface="Tunga"/>
+        <a:font script="Guru" typeface="Raavi"/>
+        <a:font script="Cans" typeface="Euphemia"/>
+        <a:font script="Cher" typeface="Plantagenet Cherokee"/>
+        <a:font script="Yiii" typeface="Microsoft Yi Baiti"/>
+        <a:font script="Tibt" typeface="Microsoft Himalaya"/>
+        <a:font script="Thaa" typeface="MV Boli"/>
+        <a:font script="Deva" typeface="Mangal"/>
+        <a:font script="Telu" typeface="Gautami"/>
+        <a:font script="Taml" typeface="Latha"/>
+        <a:font script="Syrc" typeface="Estrangelo Edessa"/>
+        <a:font script="Orya" typeface="Kalinga"/>
+        <a:font script="Mlym" typeface="Kartika"/>
+        <a:font script="Laoo" typeface="DokChampa"/>
+        <a:font script="Sinh" typeface="Iskoola Pota"/>
+        <a:font script="Mong" typeface="Mongolian Baiti"/>
+        <a:font script="Viet" typeface="Times New Roman"/>
+        <a:font script="Uigh" typeface="Microsoft Uighur"/>
+        <a:font script="Geor" typeface="Sylfaen"/>
+      </a:majorFont>
+      <a:minorFont>
+        <a:latin typeface="Calibri"/>
+        <a:ea typeface=""/>
+        <a:cs typeface=""/>
+        <a:font script="Jpan" typeface="ＭＳ Ｐゴシック"/>
+        <a:font script="Hang" typeface="맑은 고딕"/>
+        <a:font script="Hans" typeface="宋体"/>
+        <a:font script="Hant" typeface="新細明體"/>
+        <a:font script="Arab" typeface="Arial"/>
+        <a:font script="Hebr" typeface="Arial"/>
+        <a:font script="Thai" typeface="Cordia New"/>
+        <a:font script="Ethi" typeface="Nyala"/>
+        <a:font script="Beng" typeface="Vrinda"/>
+        <a:font script="Gujr" typeface="Shruti"/>
+        <a:font script="Khmr" typeface="DaunPenh"/>
+        <a:font script="Knda" typeface="Tunga"/>
+        <a:font script="Guru" typeface="Raavi"/>
+        <a:font script="Cans" typeface="Euphemia"/>
+        <a:font script="Cher" typeface="Plantagenet Cherokee"/>
+        <a:font script="Yiii" typeface="Microsoft Yi Baiti"/>
+        <a:font script="Tibt" typeface="Microsoft Himalaya"/>
+        <a:font script="Thaa" typeface="MV Boli"/>
+        <a:font script="Deva" typeface="Mangal"/>
+        <a:font script="Telu" typeface="Gautami"/>
+        <a:font script="Taml" typeface="Latha"/>
+        <a:font script="Syrc" typeface="Estrangelo Edessa"/>
+        <a:font script="Orya" typeface="Kalinga"/>
+        <a:font script="Mlym" typeface="Kartika"/>
+        <a:font script="Laoo" typeface="DokChampa"/>
+        <a:font script="Sinh" typeface="Iskoola Pota"/>
+        <a:font script="Mong" typeface="Mongolian Baiti"/>
+        <a:font script="Viet" typeface="Arial"/>
+        <a:font script="Uigh" typeface="Microsoft Uighur"/>
+        <a:font script="Geor" typeface="Sylfaen"/>
+      </a:minorFont>
+    </a:fontScheme>
+    <a:fmtScheme name="Стандартная">
+      <a:fillStyleLst>
+        <a:solidFill>
+          <a:schemeClr val="phClr"/>
+        </a:solidFill>
+        <a:gradFill rotWithShape="1">
+          <a:gsLst>
+            <a:gs pos="0">
+              <a:schemeClr val="phClr">
+                <a:tint val="50000"/>
+                <a:satMod val="300000"/>
+              </a:schemeClr>
+            </a:gs>
+            <a:gs pos="35000">
+              <a:schemeClr val="phClr">
+                <a:tint val="37000"/>
+                <a:satMod val="300000"/>
+              </a:schemeClr>
+            </a:gs>
+            <a:gs pos="100000">
+              <a:schemeClr val="phClr">
+                <a:tint val="15000"/>
+                <a:satMod val="350000"/>
+              </a:schemeClr>
+            </a:gs>
+          </a:gsLst>
+          <a:lin ang="16200000" scaled="1"/>
+        </a:gradFill>
+        <a:gradFill rotWithShape="1">
+          <a:gsLst>
+            <a:gs pos="0">
+              <a:schemeClr val="phClr">
+                <a:shade val="51000"/>
+                <a:satMod val="130000"/>
+              </a:schemeClr>
+            </a:gs>
+            <a:gs pos="80000">
+              <a:schemeClr val="phClr">
+                <a:shade val="93000"/>
+                <a:satMod val="130000"/>
+              </a:schemeClr>
+            </a:gs>
+            <a:gs pos="100000">
+              <a:schemeClr val="phClr">
+                <a:shade val="94000"/>
+                <a:satMod val="135000"/>
+              </a:schemeClr>
+            </a:gs>
+          </a:gsLst>
+          <a:lin ang="16200000" scaled="0"/>
+        </a:gradFill>
+      </a:fillStyleLst>
+      <a:lnStyleLst>
+        <a:ln w="9525" cap="flat" cmpd="sng" algn="ctr">
+          <a:solidFill>
+            <a:schemeClr val="phClr">
+              <a:shade val="95000"/>
+              <a:satMod val="105000"/>
+            </a:schemeClr>
+          </a:solidFill>
+          <a:prstDash val="solid"/>
+        </a:ln>
+        <a:ln w="25400" cap="flat" cmpd="sng" algn="ctr">
+          <a:solidFill>
+            <a:schemeClr val="phClr"/>
+          </a:solidFill>
+          <a:prstDash val="solid"/>
+        </a:ln>
+        <a:ln w="38100" cap="flat" cmpd="sng" algn="ctr">
+          <a:solidFill>
+            <a:schemeClr val="phClr"/>
+          </a:solidFill>
+          <a:prstDash val="solid"/>
+        </a:ln>
+      </a:lnStyleLst>
+      <a:effectStyleLst>
+        <a:effectStyle>
+          <a:effectLst>
+            <a:outerShdw blurRad="40000" dist="20000" dir="5400000" rotWithShape="0">
+              <a:srgbClr val="000000">
+                <a:alpha val="38000"/>
+              </a:srgbClr>
+            </a:outerShdw>
+          </a:effectLst>
+        </a:effectStyle>
+        <a:effectStyle>
+          <a:effectLst>
+            <a:outerShdw blurRad="40000" dist="23000" dir="5400000" rotWithShape="0">
+              <a:srgbClr val="000000">
+                <a:alpha val="35000"/>
+              </a:srgbClr>
+            </a:outerShdw>
+          </a:effectLst>
+        </a:effectStyle>
+        <a:effectStyle>
+          <a:effectLst>
+            <a:outerShdw blurRad="40000" dist="23000" dir="5400000" rotWithShape="0">
+              <a:srgbClr val="000000">
+                <a:alpha val="35000"/>
+              </a:srgbClr>
+            </a:outerShdw>
+          </a:effectLst>
+          <a:scene3d>
+            <a:camera prst="orthographicFront">
+              <a:rot lat="0" lon="0" rev="0"/>
+            </a:camera>
+            <a:lightRig rig="threePt" dir="t">
+              <a:rot lat="0" lon="0" rev="1200000"/>
+            </a:lightRig>
+          </a:scene3d>
+          <a:sp3d>
+            <a:bevelT w="63500" h="25400"/>
+          </a:sp3d>
+        </a:effectStyle>
+      </a:effectStyleLst>
+      <a:bgFillStyleLst>
+        <a:solidFill>
+          <a:schemeClr val="phClr"/>
+        </a:solidFill>
+        <a:gradFill rotWithShape="1">
+          <a:gsLst>
+            <a:gs pos="0">
+              <a:schemeClr val="phClr">
+                <a:tint val="40000"/>
+                <a:satMod val="350000"/>
+              </a:schemeClr>
+            </a:gs>
+            <a:gs pos="40000">
+              <a:schemeClr val="phClr">
+                <a:tint val="45000"/>
+                <a:shade val="99000"/>
+                <a:satMod val="350000"/>
+              </a:schemeClr>
+            </a:gs>
+            <a:gs pos="100000">
+              <a:schemeClr val="phClr">
+                <a:shade val="20000"/>
+                <a:satMod val="255000"/>
+              </a:schemeClr>
+            </a:gs>
+          </a:gsLst>
+          <a:path path="circle">
+            <a:fillToRect l="50000" t="-80000" r="50000" b="180000"/>
+          </a:path>
+        </a:gradFill>
+        <a:gradFill rotWithShape="1">
+          <a:gsLst>
+            <a:gs pos="0">
+              <a:schemeClr val="phClr">
+                <a:tint val="80000"/>
+                <a:satMod val="300000"/>
+              </a:schemeClr>
+            </a:gs>
+            <a:gs pos="100000">
+              <a:schemeClr val="phClr">
+                <a:shade val="30000"/>
+                <a:satMod val="200000"/>
+              </a:schemeClr>
+            </a:gs>
+          </a:gsLst>
+          <a:path path="circle">
+            <a:fillToRect l="50000" t="50000" r="50000" b="50000"/>
+          </a:path>
+        </a:gradFill>
+      </a:bgFillStyleLst>
+    </a:fmtScheme>
+  </a:themeElements>
+  <a:objectDefaults/>
+  <a:extraClrSchemeLst/>
+</a:theme>
 </file>